--- a/slides/discussion/03_search_discussion.pptx
+++ b/slides/discussion/03_search_discussion.pptx
@@ -5,7 +5,7 @@
     <p:sldMasterId id="2147483678" r:id="rId1"/>
   </p:sldMasterIdLst>
   <p:notesMasterIdLst>
-    <p:notesMasterId r:id="rId34"/>
+    <p:notesMasterId r:id="rId33"/>
   </p:notesMasterIdLst>
   <p:sldIdLst>
     <p:sldId id="257" r:id="rId2"/>
@@ -20,10 +20,10 @@
     <p:sldId id="449" r:id="rId11"/>
     <p:sldId id="450" r:id="rId12"/>
     <p:sldId id="425" r:id="rId13"/>
-    <p:sldId id="428" r:id="rId14"/>
+    <p:sldId id="456" r:id="rId14"/>
     <p:sldId id="431" r:id="rId15"/>
     <p:sldId id="432" r:id="rId16"/>
-    <p:sldId id="433" r:id="rId17"/>
+    <p:sldId id="457" r:id="rId17"/>
     <p:sldId id="455" r:id="rId18"/>
     <p:sldId id="413" r:id="rId19"/>
     <p:sldId id="407" r:id="rId20"/>
@@ -37,9 +37,8 @@
     <p:sldId id="447" r:id="rId28"/>
     <p:sldId id="417" r:id="rId29"/>
     <p:sldId id="404" r:id="rId30"/>
-    <p:sldId id="372" r:id="rId31"/>
-    <p:sldId id="387" r:id="rId32"/>
-    <p:sldId id="448" r:id="rId33"/>
+    <p:sldId id="387" r:id="rId31"/>
+    <p:sldId id="448" r:id="rId32"/>
   </p:sldIdLst>
   <p:sldSz cx="9144000" cy="6858000" type="screen4x3"/>
   <p:notesSz cx="7315200" cy="9601200"/>
@@ -3924,92 +3923,10 @@
           <a:bodyPr/>
           <a:lstStyle/>
           <a:p>
-            <a:fld id="{CA8F1D18-9638-4932-8910-B6EDCB447AA8}" type="slidenum">
+            <a:fld id="{3AED0B83-FA1E-482D-AD89-4E224F76AB55}" type="slidenum">
               <a:rPr lang="en-US" smtClean="0"/>
               <a:pPr/>
               <a:t>30</a:t>
-            </a:fld>
-            <a:endParaRPr lang="en-US"/>
-          </a:p>
-        </p:txBody>
-      </p:sp>
-    </p:spTree>
-  </p:cSld>
-  <p:clrMapOvr>
-    <a:masterClrMapping/>
-  </p:clrMapOvr>
-</p:notes>
-</file>
-
-<file path=ppt/notesSlides/notesSlide13.xml><?xml version="1.0" encoding="utf-8"?>
-<p:notes xmlns:a="http://schemas.openxmlformats.org/drawingml/2006/main" xmlns:r="http://schemas.openxmlformats.org/officeDocument/2006/relationships" xmlns:p="http://schemas.openxmlformats.org/presentationml/2006/main">
-  <p:cSld>
-    <p:spTree>
-      <p:nvGrpSpPr>
-        <p:cNvPr id="1" name=""/>
-        <p:cNvGrpSpPr/>
-        <p:nvPr/>
-      </p:nvGrpSpPr>
-      <p:grpSpPr>
-        <a:xfrm>
-          <a:off x="0" y="0"/>
-          <a:ext cx="0" cy="0"/>
-          <a:chOff x="0" y="0"/>
-          <a:chExt cx="0" cy="0"/>
-        </a:xfrm>
-      </p:grpSpPr>
-      <p:sp>
-        <p:nvSpPr>
-          <p:cNvPr id="2" name="Slide Image Placeholder 1"/>
-          <p:cNvSpPr>
-            <a:spLocks noGrp="1" noRot="1" noChangeAspect="1"/>
-          </p:cNvSpPr>
-          <p:nvPr>
-            <p:ph type="sldImg"/>
-          </p:nvPr>
-        </p:nvSpPr>
-        <p:spPr/>
-      </p:sp>
-      <p:sp>
-        <p:nvSpPr>
-          <p:cNvPr id="3" name="Notes Placeholder 2"/>
-          <p:cNvSpPr>
-            <a:spLocks noGrp="1"/>
-          </p:cNvSpPr>
-          <p:nvPr>
-            <p:ph type="body" idx="1"/>
-          </p:nvPr>
-        </p:nvSpPr>
-        <p:spPr/>
-        <p:txBody>
-          <a:bodyPr>
-            <a:normAutofit/>
-          </a:bodyPr>
-          <a:lstStyle/>
-          <a:p>
-            <a:endParaRPr lang="en-US"/>
-          </a:p>
-        </p:txBody>
-      </p:sp>
-      <p:sp>
-        <p:nvSpPr>
-          <p:cNvPr id="4" name="Slide Number Placeholder 3"/>
-          <p:cNvSpPr>
-            <a:spLocks noGrp="1"/>
-          </p:cNvSpPr>
-          <p:nvPr>
-            <p:ph type="sldNum" sz="quarter" idx="10"/>
-          </p:nvPr>
-        </p:nvSpPr>
-        <p:spPr/>
-        <p:txBody>
-          <a:bodyPr/>
-          <a:lstStyle/>
-          <a:p>
-            <a:fld id="{3AED0B83-FA1E-482D-AD89-4E224F76AB55}" type="slidenum">
-              <a:rPr lang="en-US" smtClean="0"/>
-              <a:pPr/>
-              <a:t>31</a:t>
             </a:fld>
             <a:endParaRPr lang="en-US"/>
           </a:p>
@@ -4878,7 +4795,7 @@
           <a:p>
             <a:fld id="{FDB68C03-DCF9-4B87-BBF6-8F2088376604}" type="datetimeFigureOut">
               <a:rPr lang="en-US" smtClean="0"/>
-              <a:t>2/13/2026</a:t>
+              <a:t>2/19/2026</a:t>
             </a:fld>
             <a:endParaRPr lang="en-US"/>
           </a:p>
@@ -7902,483 +7819,6 @@
   <p:clrMapOvr>
     <a:masterClrMapping/>
   </p:clrMapOvr>
-  <p:timing>
-    <p:tnLst>
-      <p:par>
-        <p:cTn id="1" dur="indefinite" restart="never" nodeType="tmRoot">
-          <p:childTnLst>
-            <p:seq concurrent="1" nextAc="seek">
-              <p:cTn id="2" dur="indefinite" nodeType="mainSeq">
-                <p:childTnLst>
-                  <p:par>
-                    <p:cTn id="3" fill="hold">
-                      <p:stCondLst>
-                        <p:cond delay="indefinite"/>
-                      </p:stCondLst>
-                      <p:childTnLst>
-                        <p:par>
-                          <p:cTn id="4" fill="hold">
-                            <p:stCondLst>
-                              <p:cond delay="0"/>
-                            </p:stCondLst>
-                            <p:childTnLst>
-                              <p:par>
-                                <p:cTn id="5" presetID="1" presetClass="entr" presetSubtype="0" fill="hold" grpId="0" nodeType="clickEffect">
-                                  <p:stCondLst>
-                                    <p:cond delay="0"/>
-                                  </p:stCondLst>
-                                  <p:childTnLst>
-                                    <p:set>
-                                      <p:cBhvr>
-                                        <p:cTn id="6" dur="1" fill="hold">
-                                          <p:stCondLst>
-                                            <p:cond delay="0"/>
-                                          </p:stCondLst>
-                                        </p:cTn>
-                                        <p:tgtEl>
-                                          <p:spTgt spid="24579">
-                                            <p:txEl>
-                                              <p:pRg st="0" end="0"/>
-                                            </p:txEl>
-                                          </p:spTgt>
-                                        </p:tgtEl>
-                                        <p:attrNameLst>
-                                          <p:attrName>style.visibility</p:attrName>
-                                        </p:attrNameLst>
-                                      </p:cBhvr>
-                                      <p:to>
-                                        <p:strVal val="visible"/>
-                                      </p:to>
-                                    </p:set>
-                                  </p:childTnLst>
-                                </p:cTn>
-                              </p:par>
-                            </p:childTnLst>
-                          </p:cTn>
-                        </p:par>
-                      </p:childTnLst>
-                    </p:cTn>
-                  </p:par>
-                  <p:par>
-                    <p:cTn id="7" fill="hold">
-                      <p:stCondLst>
-                        <p:cond delay="indefinite"/>
-                      </p:stCondLst>
-                      <p:childTnLst>
-                        <p:par>
-                          <p:cTn id="8" fill="hold">
-                            <p:stCondLst>
-                              <p:cond delay="0"/>
-                            </p:stCondLst>
-                            <p:childTnLst>
-                              <p:par>
-                                <p:cTn id="9" presetID="1" presetClass="entr" presetSubtype="0" fill="hold" grpId="0" nodeType="clickEffect">
-                                  <p:stCondLst>
-                                    <p:cond delay="0"/>
-                                  </p:stCondLst>
-                                  <p:childTnLst>
-                                    <p:set>
-                                      <p:cBhvr>
-                                        <p:cTn id="10" dur="1" fill="hold">
-                                          <p:stCondLst>
-                                            <p:cond delay="0"/>
-                                          </p:stCondLst>
-                                        </p:cTn>
-                                        <p:tgtEl>
-                                          <p:spTgt spid="24579">
-                                            <p:txEl>
-                                              <p:pRg st="2" end="2"/>
-                                            </p:txEl>
-                                          </p:spTgt>
-                                        </p:tgtEl>
-                                        <p:attrNameLst>
-                                          <p:attrName>style.visibility</p:attrName>
-                                        </p:attrNameLst>
-                                      </p:cBhvr>
-                                      <p:to>
-                                        <p:strVal val="visible"/>
-                                      </p:to>
-                                    </p:set>
-                                  </p:childTnLst>
-                                </p:cTn>
-                              </p:par>
-                              <p:par>
-                                <p:cTn id="11" presetID="1" presetClass="entr" presetSubtype="0" fill="hold" grpId="0" nodeType="withEffect">
-                                  <p:stCondLst>
-                                    <p:cond delay="0"/>
-                                  </p:stCondLst>
-                                  <p:childTnLst>
-                                    <p:set>
-                                      <p:cBhvr>
-                                        <p:cTn id="12" dur="1" fill="hold">
-                                          <p:stCondLst>
-                                            <p:cond delay="0"/>
-                                          </p:stCondLst>
-                                        </p:cTn>
-                                        <p:tgtEl>
-                                          <p:spTgt spid="24579">
-                                            <p:txEl>
-                                              <p:pRg st="3" end="3"/>
-                                            </p:txEl>
-                                          </p:spTgt>
-                                        </p:tgtEl>
-                                        <p:attrNameLst>
-                                          <p:attrName>style.visibility</p:attrName>
-                                        </p:attrNameLst>
-                                      </p:cBhvr>
-                                      <p:to>
-                                        <p:strVal val="visible"/>
-                                      </p:to>
-                                    </p:set>
-                                  </p:childTnLst>
-                                </p:cTn>
-                              </p:par>
-                              <p:par>
-                                <p:cTn id="13" presetID="1" presetClass="entr" presetSubtype="0" fill="hold" grpId="0" nodeType="withEffect">
-                                  <p:stCondLst>
-                                    <p:cond delay="0"/>
-                                  </p:stCondLst>
-                                  <p:childTnLst>
-                                    <p:set>
-                                      <p:cBhvr>
-                                        <p:cTn id="14" dur="1" fill="hold">
-                                          <p:stCondLst>
-                                            <p:cond delay="0"/>
-                                          </p:stCondLst>
-                                        </p:cTn>
-                                        <p:tgtEl>
-                                          <p:spTgt spid="24579">
-                                            <p:txEl>
-                                              <p:pRg st="4" end="4"/>
-                                            </p:txEl>
-                                          </p:spTgt>
-                                        </p:tgtEl>
-                                        <p:attrNameLst>
-                                          <p:attrName>style.visibility</p:attrName>
-                                        </p:attrNameLst>
-                                      </p:cBhvr>
-                                      <p:to>
-                                        <p:strVal val="visible"/>
-                                      </p:to>
-                                    </p:set>
-                                  </p:childTnLst>
-                                </p:cTn>
-                              </p:par>
-                            </p:childTnLst>
-                          </p:cTn>
-                        </p:par>
-                      </p:childTnLst>
-                    </p:cTn>
-                  </p:par>
-                  <p:par>
-                    <p:cTn id="15" fill="hold">
-                      <p:stCondLst>
-                        <p:cond delay="indefinite"/>
-                      </p:stCondLst>
-                      <p:childTnLst>
-                        <p:par>
-                          <p:cTn id="16" fill="hold">
-                            <p:stCondLst>
-                              <p:cond delay="0"/>
-                            </p:stCondLst>
-                            <p:childTnLst>
-                              <p:par>
-                                <p:cTn id="17" presetID="1" presetClass="entr" presetSubtype="0" fill="hold" grpId="0" nodeType="clickEffect">
-                                  <p:stCondLst>
-                                    <p:cond delay="0"/>
-                                  </p:stCondLst>
-                                  <p:childTnLst>
-                                    <p:set>
-                                      <p:cBhvr>
-                                        <p:cTn id="18" dur="1" fill="hold">
-                                          <p:stCondLst>
-                                            <p:cond delay="0"/>
-                                          </p:stCondLst>
-                                        </p:cTn>
-                                        <p:tgtEl>
-                                          <p:spTgt spid="24579">
-                                            <p:txEl>
-                                              <p:pRg st="6" end="6"/>
-                                            </p:txEl>
-                                          </p:spTgt>
-                                        </p:tgtEl>
-                                        <p:attrNameLst>
-                                          <p:attrName>style.visibility</p:attrName>
-                                        </p:attrNameLst>
-                                      </p:cBhvr>
-                                      <p:to>
-                                        <p:strVal val="visible"/>
-                                      </p:to>
-                                    </p:set>
-                                  </p:childTnLst>
-                                </p:cTn>
-                              </p:par>
-                              <p:par>
-                                <p:cTn id="19" presetID="1" presetClass="entr" presetSubtype="0" fill="hold" grpId="0" nodeType="withEffect">
-                                  <p:stCondLst>
-                                    <p:cond delay="0"/>
-                                  </p:stCondLst>
-                                  <p:childTnLst>
-                                    <p:set>
-                                      <p:cBhvr>
-                                        <p:cTn id="20" dur="1" fill="hold">
-                                          <p:stCondLst>
-                                            <p:cond delay="0"/>
-                                          </p:stCondLst>
-                                        </p:cTn>
-                                        <p:tgtEl>
-                                          <p:spTgt spid="24579">
-                                            <p:txEl>
-                                              <p:pRg st="7" end="7"/>
-                                            </p:txEl>
-                                          </p:spTgt>
-                                        </p:tgtEl>
-                                        <p:attrNameLst>
-                                          <p:attrName>style.visibility</p:attrName>
-                                        </p:attrNameLst>
-                                      </p:cBhvr>
-                                      <p:to>
-                                        <p:strVal val="visible"/>
-                                      </p:to>
-                                    </p:set>
-                                  </p:childTnLst>
-                                </p:cTn>
-                              </p:par>
-                              <p:par>
-                                <p:cTn id="21" presetID="1" presetClass="entr" presetSubtype="0" fill="hold" grpId="0" nodeType="withEffect">
-                                  <p:stCondLst>
-                                    <p:cond delay="0"/>
-                                  </p:stCondLst>
-                                  <p:childTnLst>
-                                    <p:set>
-                                      <p:cBhvr>
-                                        <p:cTn id="22" dur="1" fill="hold">
-                                          <p:stCondLst>
-                                            <p:cond delay="0"/>
-                                          </p:stCondLst>
-                                        </p:cTn>
-                                        <p:tgtEl>
-                                          <p:spTgt spid="24579">
-                                            <p:txEl>
-                                              <p:pRg st="8" end="8"/>
-                                            </p:txEl>
-                                          </p:spTgt>
-                                        </p:tgtEl>
-                                        <p:attrNameLst>
-                                          <p:attrName>style.visibility</p:attrName>
-                                        </p:attrNameLst>
-                                      </p:cBhvr>
-                                      <p:to>
-                                        <p:strVal val="visible"/>
-                                      </p:to>
-                                    </p:set>
-                                  </p:childTnLst>
-                                </p:cTn>
-                              </p:par>
-                            </p:childTnLst>
-                          </p:cTn>
-                        </p:par>
-                      </p:childTnLst>
-                    </p:cTn>
-                  </p:par>
-                  <p:par>
-                    <p:cTn id="23" fill="hold">
-                      <p:stCondLst>
-                        <p:cond delay="indefinite"/>
-                      </p:stCondLst>
-                      <p:childTnLst>
-                        <p:par>
-                          <p:cTn id="24" fill="hold">
-                            <p:stCondLst>
-                              <p:cond delay="0"/>
-                            </p:stCondLst>
-                            <p:childTnLst>
-                              <p:par>
-                                <p:cTn id="25" presetID="1" presetClass="entr" presetSubtype="0" fill="hold" grpId="0" nodeType="clickEffect">
-                                  <p:stCondLst>
-                                    <p:cond delay="0"/>
-                                  </p:stCondLst>
-                                  <p:childTnLst>
-                                    <p:set>
-                                      <p:cBhvr>
-                                        <p:cTn id="26" dur="1" fill="hold">
-                                          <p:stCondLst>
-                                            <p:cond delay="0"/>
-                                          </p:stCondLst>
-                                        </p:cTn>
-                                        <p:tgtEl>
-                                          <p:spTgt spid="24579">
-                                            <p:txEl>
-                                              <p:pRg st="10" end="10"/>
-                                            </p:txEl>
-                                          </p:spTgt>
-                                        </p:tgtEl>
-                                        <p:attrNameLst>
-                                          <p:attrName>style.visibility</p:attrName>
-                                        </p:attrNameLst>
-                                      </p:cBhvr>
-                                      <p:to>
-                                        <p:strVal val="visible"/>
-                                      </p:to>
-                                    </p:set>
-                                  </p:childTnLst>
-                                </p:cTn>
-                              </p:par>
-                              <p:par>
-                                <p:cTn id="27" presetID="1" presetClass="entr" presetSubtype="0" fill="hold" grpId="0" nodeType="withEffect">
-                                  <p:stCondLst>
-                                    <p:cond delay="0"/>
-                                  </p:stCondLst>
-                                  <p:childTnLst>
-                                    <p:set>
-                                      <p:cBhvr>
-                                        <p:cTn id="28" dur="1" fill="hold">
-                                          <p:stCondLst>
-                                            <p:cond delay="0"/>
-                                          </p:stCondLst>
-                                        </p:cTn>
-                                        <p:tgtEl>
-                                          <p:spTgt spid="24579">
-                                            <p:txEl>
-                                              <p:pRg st="11" end="11"/>
-                                            </p:txEl>
-                                          </p:spTgt>
-                                        </p:tgtEl>
-                                        <p:attrNameLst>
-                                          <p:attrName>style.visibility</p:attrName>
-                                        </p:attrNameLst>
-                                      </p:cBhvr>
-                                      <p:to>
-                                        <p:strVal val="visible"/>
-                                      </p:to>
-                                    </p:set>
-                                  </p:childTnLst>
-                                </p:cTn>
-                              </p:par>
-                              <p:par>
-                                <p:cTn id="29" presetID="1" presetClass="entr" presetSubtype="0" fill="hold" grpId="0" nodeType="withEffect">
-                                  <p:stCondLst>
-                                    <p:cond delay="0"/>
-                                  </p:stCondLst>
-                                  <p:childTnLst>
-                                    <p:set>
-                                      <p:cBhvr>
-                                        <p:cTn id="30" dur="1" fill="hold">
-                                          <p:stCondLst>
-                                            <p:cond delay="0"/>
-                                          </p:stCondLst>
-                                        </p:cTn>
-                                        <p:tgtEl>
-                                          <p:spTgt spid="24579">
-                                            <p:txEl>
-                                              <p:pRg st="12" end="12"/>
-                                            </p:txEl>
-                                          </p:spTgt>
-                                        </p:tgtEl>
-                                        <p:attrNameLst>
-                                          <p:attrName>style.visibility</p:attrName>
-                                        </p:attrNameLst>
-                                      </p:cBhvr>
-                                      <p:to>
-                                        <p:strVal val="visible"/>
-                                      </p:to>
-                                    </p:set>
-                                  </p:childTnLst>
-                                </p:cTn>
-                              </p:par>
-                              <p:par>
-                                <p:cTn id="31" presetID="1" presetClass="entr" presetSubtype="0" fill="hold" grpId="0" nodeType="withEffect">
-                                  <p:stCondLst>
-                                    <p:cond delay="0"/>
-                                  </p:stCondLst>
-                                  <p:childTnLst>
-                                    <p:set>
-                                      <p:cBhvr>
-                                        <p:cTn id="32" dur="1" fill="hold">
-                                          <p:stCondLst>
-                                            <p:cond delay="0"/>
-                                          </p:stCondLst>
-                                        </p:cTn>
-                                        <p:tgtEl>
-                                          <p:spTgt spid="24579">
-                                            <p:txEl>
-                                              <p:pRg st="13" end="13"/>
-                                            </p:txEl>
-                                          </p:spTgt>
-                                        </p:tgtEl>
-                                        <p:attrNameLst>
-                                          <p:attrName>style.visibility</p:attrName>
-                                        </p:attrNameLst>
-                                      </p:cBhvr>
-                                      <p:to>
-                                        <p:strVal val="visible"/>
-                                      </p:to>
-                                    </p:set>
-                                  </p:childTnLst>
-                                </p:cTn>
-                              </p:par>
-                              <p:par>
-                                <p:cTn id="33" presetID="1" presetClass="entr" presetSubtype="0" fill="hold" grpId="0" nodeType="withEffect">
-                                  <p:stCondLst>
-                                    <p:cond delay="0"/>
-                                  </p:stCondLst>
-                                  <p:childTnLst>
-                                    <p:set>
-                                      <p:cBhvr>
-                                        <p:cTn id="34" dur="1" fill="hold">
-                                          <p:stCondLst>
-                                            <p:cond delay="0"/>
-                                          </p:stCondLst>
-                                        </p:cTn>
-                                        <p:tgtEl>
-                                          <p:spTgt spid="24579">
-                                            <p:txEl>
-                                              <p:pRg st="14" end="14"/>
-                                            </p:txEl>
-                                          </p:spTgt>
-                                        </p:tgtEl>
-                                        <p:attrNameLst>
-                                          <p:attrName>style.visibility</p:attrName>
-                                        </p:attrNameLst>
-                                      </p:cBhvr>
-                                      <p:to>
-                                        <p:strVal val="visible"/>
-                                      </p:to>
-                                    </p:set>
-                                  </p:childTnLst>
-                                </p:cTn>
-                              </p:par>
-                            </p:childTnLst>
-                          </p:cTn>
-                        </p:par>
-                      </p:childTnLst>
-                    </p:cTn>
-                  </p:par>
-                </p:childTnLst>
-              </p:cTn>
-              <p:prevCondLst>
-                <p:cond evt="onPrev" delay="0">
-                  <p:tgtEl>
-                    <p:sldTgt/>
-                  </p:tgtEl>
-                </p:cond>
-              </p:prevCondLst>
-              <p:nextCondLst>
-                <p:cond evt="onNext" delay="0">
-                  <p:tgtEl>
-                    <p:sldTgt/>
-                  </p:tgtEl>
-                </p:cond>
-              </p:nextCondLst>
-            </p:seq>
-          </p:childTnLst>
-        </p:cTn>
-      </p:par>
-    </p:tnLst>
-    <p:bldLst>
-      <p:bldP spid="24579" grpId="0" uiExpand="1" build="p"/>
-    </p:bldLst>
-  </p:timing>
 </p:sld>
 </file>
 
@@ -9176,264 +8616,6 @@
   <p:clrMapOvr>
     <a:masterClrMapping/>
   </p:clrMapOvr>
-  <p:timing>
-    <p:tnLst>
-      <p:par>
-        <p:cTn id="1" dur="indefinite" restart="never" nodeType="tmRoot">
-          <p:childTnLst>
-            <p:seq concurrent="1" nextAc="seek">
-              <p:cTn id="2" dur="indefinite" nodeType="mainSeq">
-                <p:childTnLst>
-                  <p:par>
-                    <p:cTn id="3" fill="hold">
-                      <p:stCondLst>
-                        <p:cond delay="indefinite"/>
-                        <p:cond evt="onBegin" delay="0">
-                          <p:tn val="2"/>
-                        </p:cond>
-                      </p:stCondLst>
-                      <p:childTnLst>
-                        <p:par>
-                          <p:cTn id="4" fill="hold">
-                            <p:stCondLst>
-                              <p:cond delay="0"/>
-                            </p:stCondLst>
-                            <p:childTnLst>
-                              <p:par>
-                                <p:cTn id="5" presetID="1" presetClass="entr" presetSubtype="0" fill="hold" grpId="0" nodeType="withEffect">
-                                  <p:stCondLst>
-                                    <p:cond delay="0"/>
-                                  </p:stCondLst>
-                                  <p:childTnLst>
-                                    <p:set>
-                                      <p:cBhvr>
-                                        <p:cTn id="6" dur="1" fill="hold">
-                                          <p:stCondLst>
-                                            <p:cond delay="0"/>
-                                          </p:stCondLst>
-                                        </p:cTn>
-                                        <p:tgtEl>
-                                          <p:spTgt spid="5">
-                                            <p:txEl>
-                                              <p:pRg st="0" end="0"/>
-                                            </p:txEl>
-                                          </p:spTgt>
-                                        </p:tgtEl>
-                                        <p:attrNameLst>
-                                          <p:attrName>style.visibility</p:attrName>
-                                        </p:attrNameLst>
-                                      </p:cBhvr>
-                                      <p:to>
-                                        <p:strVal val="visible"/>
-                                      </p:to>
-                                    </p:set>
-                                  </p:childTnLst>
-                                </p:cTn>
-                              </p:par>
-                              <p:par>
-                                <p:cTn id="7" presetID="1" presetClass="entr" presetSubtype="0" fill="hold" grpId="0" nodeType="withEffect">
-                                  <p:stCondLst>
-                                    <p:cond delay="0"/>
-                                  </p:stCondLst>
-                                  <p:childTnLst>
-                                    <p:set>
-                                      <p:cBhvr>
-                                        <p:cTn id="8" dur="1" fill="hold">
-                                          <p:stCondLst>
-                                            <p:cond delay="0"/>
-                                          </p:stCondLst>
-                                        </p:cTn>
-                                        <p:tgtEl>
-                                          <p:spTgt spid="5">
-                                            <p:txEl>
-                                              <p:pRg st="1" end="1"/>
-                                            </p:txEl>
-                                          </p:spTgt>
-                                        </p:tgtEl>
-                                        <p:attrNameLst>
-                                          <p:attrName>style.visibility</p:attrName>
-                                        </p:attrNameLst>
-                                      </p:cBhvr>
-                                      <p:to>
-                                        <p:strVal val="visible"/>
-                                      </p:to>
-                                    </p:set>
-                                  </p:childTnLst>
-                                </p:cTn>
-                              </p:par>
-                              <p:par>
-                                <p:cTn id="9" presetID="1" presetClass="entr" presetSubtype="0" fill="hold" grpId="0" nodeType="withEffect">
-                                  <p:stCondLst>
-                                    <p:cond delay="0"/>
-                                  </p:stCondLst>
-                                  <p:childTnLst>
-                                    <p:set>
-                                      <p:cBhvr>
-                                        <p:cTn id="10" dur="1" fill="hold">
-                                          <p:stCondLst>
-                                            <p:cond delay="0"/>
-                                          </p:stCondLst>
-                                        </p:cTn>
-                                        <p:tgtEl>
-                                          <p:spTgt spid="5">
-                                            <p:txEl>
-                                              <p:pRg st="2" end="2"/>
-                                            </p:txEl>
-                                          </p:spTgt>
-                                        </p:tgtEl>
-                                        <p:attrNameLst>
-                                          <p:attrName>style.visibility</p:attrName>
-                                        </p:attrNameLst>
-                                      </p:cBhvr>
-                                      <p:to>
-                                        <p:strVal val="visible"/>
-                                      </p:to>
-                                    </p:set>
-                                  </p:childTnLst>
-                                </p:cTn>
-                              </p:par>
-                            </p:childTnLst>
-                          </p:cTn>
-                        </p:par>
-                      </p:childTnLst>
-                    </p:cTn>
-                  </p:par>
-                  <p:par>
-                    <p:cTn id="11" fill="hold">
-                      <p:stCondLst>
-                        <p:cond delay="indefinite"/>
-                      </p:stCondLst>
-                      <p:childTnLst>
-                        <p:par>
-                          <p:cTn id="12" fill="hold">
-                            <p:stCondLst>
-                              <p:cond delay="0"/>
-                            </p:stCondLst>
-                            <p:childTnLst>
-                              <p:par>
-                                <p:cTn id="13" presetID="1" presetClass="entr" presetSubtype="0" fill="hold" grpId="0" nodeType="clickEffect">
-                                  <p:stCondLst>
-                                    <p:cond delay="0"/>
-                                  </p:stCondLst>
-                                  <p:childTnLst>
-                                    <p:set>
-                                      <p:cBhvr>
-                                        <p:cTn id="14" dur="1" fill="hold">
-                                          <p:stCondLst>
-                                            <p:cond delay="0"/>
-                                          </p:stCondLst>
-                                        </p:cTn>
-                                        <p:tgtEl>
-                                          <p:spTgt spid="5">
-                                            <p:txEl>
-                                              <p:pRg st="4" end="4"/>
-                                            </p:txEl>
-                                          </p:spTgt>
-                                        </p:tgtEl>
-                                        <p:attrNameLst>
-                                          <p:attrName>style.visibility</p:attrName>
-                                        </p:attrNameLst>
-                                      </p:cBhvr>
-                                      <p:to>
-                                        <p:strVal val="visible"/>
-                                      </p:to>
-                                    </p:set>
-                                  </p:childTnLst>
-                                </p:cTn>
-                              </p:par>
-                              <p:par>
-                                <p:cTn id="15" presetID="1" presetClass="entr" presetSubtype="0" fill="hold" grpId="0" nodeType="withEffect">
-                                  <p:stCondLst>
-                                    <p:cond delay="0"/>
-                                  </p:stCondLst>
-                                  <p:childTnLst>
-                                    <p:set>
-                                      <p:cBhvr>
-                                        <p:cTn id="16" dur="1" fill="hold">
-                                          <p:stCondLst>
-                                            <p:cond delay="0"/>
-                                          </p:stCondLst>
-                                        </p:cTn>
-                                        <p:tgtEl>
-                                          <p:spTgt spid="5">
-                                            <p:txEl>
-                                              <p:pRg st="5" end="5"/>
-                                            </p:txEl>
-                                          </p:spTgt>
-                                        </p:tgtEl>
-                                        <p:attrNameLst>
-                                          <p:attrName>style.visibility</p:attrName>
-                                        </p:attrNameLst>
-                                      </p:cBhvr>
-                                      <p:to>
-                                        <p:strVal val="visible"/>
-                                      </p:to>
-                                    </p:set>
-                                  </p:childTnLst>
-                                </p:cTn>
-                              </p:par>
-                              <p:par>
-                                <p:cTn id="17" presetID="1" presetClass="entr" presetSubtype="0" fill="hold" grpId="0" nodeType="withEffect">
-                                  <p:stCondLst>
-                                    <p:cond delay="0"/>
-                                  </p:stCondLst>
-                                  <p:childTnLst>
-                                    <p:set>
-                                      <p:cBhvr>
-                                        <p:cTn id="18" dur="1" fill="hold">
-                                          <p:stCondLst>
-                                            <p:cond delay="0"/>
-                                          </p:stCondLst>
-                                        </p:cTn>
-                                        <p:tgtEl>
-                                          <p:spTgt spid="5">
-                                            <p:txEl>
-                                              <p:pRg st="6" end="6"/>
-                                            </p:txEl>
-                                          </p:spTgt>
-                                        </p:tgtEl>
-                                        <p:attrNameLst>
-                                          <p:attrName>style.visibility</p:attrName>
-                                        </p:attrNameLst>
-                                      </p:cBhvr>
-                                      <p:to>
-                                        <p:strVal val="visible"/>
-                                      </p:to>
-                                    </p:set>
-                                  </p:childTnLst>
-                                </p:cTn>
-                              </p:par>
-                            </p:childTnLst>
-                          </p:cTn>
-                        </p:par>
-                      </p:childTnLst>
-                    </p:cTn>
-                  </p:par>
-                </p:childTnLst>
-              </p:cTn>
-              <p:prevCondLst>
-                <p:cond evt="onPrev" delay="0">
-                  <p:tgtEl>
-                    <p:sldTgt/>
-                  </p:tgtEl>
-                </p:cond>
-              </p:prevCondLst>
-              <p:nextCondLst>
-                <p:cond evt="onNext" delay="0">
-                  <p:tgtEl>
-                    <p:sldTgt/>
-                  </p:tgtEl>
-                </p:cond>
-              </p:nextCondLst>
-            </p:seq>
-          </p:childTnLst>
-        </p:cTn>
-      </p:par>
-    </p:tnLst>
-    <p:bldLst>
-      <p:bldP spid="5" grpId="0" uiExpand="1" build="p"/>
-    </p:bldLst>
-  </p:timing>
 </p:sld>
 </file>
 
@@ -10404,50 +9586,179 @@
           </a:p>
         </p:txBody>
       </p:sp>
-      <p:sp>
-        <p:nvSpPr>
-          <p:cNvPr id="3" name="TextBox 2">
-            <a:extLst>
-              <a:ext uri="{FF2B5EF4-FFF2-40B4-BE49-F238E27FC236}">
-                <a16:creationId xmlns:a16="http://schemas.microsoft.com/office/drawing/2014/main" id="{A78B2A05-8718-D264-3F91-B1C48EDD3534}"/>
-              </a:ext>
-            </a:extLst>
-          </p:cNvPr>
-          <p:cNvSpPr txBox="1"/>
-          <p:nvPr/>
-        </p:nvSpPr>
-        <p:spPr>
-          <a:xfrm>
-            <a:off x="990600" y="4343400"/>
-            <a:ext cx="1600200" cy="1169551"/>
-          </a:xfrm>
-          <a:prstGeom prst="rect">
-            <a:avLst/>
-          </a:prstGeom>
-          <a:noFill/>
-        </p:spPr>
-        <p:txBody>
-          <a:bodyPr wrap="square" rtlCol="0">
-            <a:spAutoFit/>
-          </a:bodyPr>
-          <a:lstStyle/>
-          <a:p>
-            <a:r>
-              <a:rPr lang="en-US" sz="1400" dirty="0"/>
-              <a:t>Positions the agent can be in. </a:t>
-            </a:r>
-          </a:p>
-          <a:p>
-            <a:endParaRPr lang="en-US" sz="1400" dirty="0"/>
-          </a:p>
-          <a:p>
-            <a:r>
-              <a:rPr lang="en-US" sz="1400" dirty="0"/>
-              <a:t>n = Number of white squares.</a:t>
-            </a:r>
-          </a:p>
-        </p:txBody>
-      </p:sp>
+      <mc:AlternateContent xmlns:mc="http://schemas.openxmlformats.org/markup-compatibility/2006" xmlns:a14="http://schemas.microsoft.com/office/drawing/2010/main">
+        <mc:Choice Requires="a14">
+          <p:sp>
+            <p:nvSpPr>
+              <p:cNvPr id="3" name="TextBox 2">
+                <a:extLst>
+                  <a:ext uri="{FF2B5EF4-FFF2-40B4-BE49-F238E27FC236}">
+                    <a16:creationId xmlns:a16="http://schemas.microsoft.com/office/drawing/2014/main" id="{A78B2A05-8718-D264-3F91-B1C48EDD3534}"/>
+                  </a:ext>
+                </a:extLst>
+              </p:cNvPr>
+              <p:cNvSpPr txBox="1"/>
+              <p:nvPr/>
+            </p:nvSpPr>
+            <p:spPr>
+              <a:xfrm>
+                <a:off x="990600" y="4343400"/>
+                <a:ext cx="1600200" cy="1200329"/>
+              </a:xfrm>
+              <a:prstGeom prst="rect">
+                <a:avLst/>
+              </a:prstGeom>
+              <a:noFill/>
+            </p:spPr>
+            <p:txBody>
+              <a:bodyPr wrap="square" rtlCol="0">
+                <a:spAutoFit/>
+              </a:bodyPr>
+              <a:lstStyle/>
+              <a:p>
+                <a:r>
+                  <a:rPr lang="en-US" sz="1200" dirty="0"/>
+                  <a:t>State: Positions the agent can be in. </a:t>
+                </a:r>
+              </a:p>
+              <a:p>
+                <a:endParaRPr lang="en-US" sz="1200" dirty="0"/>
+              </a:p>
+              <a:p>
+                <a:pPr/>
+                <a14:m>
+                  <m:oMathPara xmlns:m="http://schemas.openxmlformats.org/officeDocument/2006/math">
+                    <m:oMathParaPr>
+                      <m:jc m:val="centerGroup"/>
+                    </m:oMathParaPr>
+                    <m:oMath xmlns:m="http://schemas.openxmlformats.org/officeDocument/2006/math">
+                      <m:r>
+                        <a:rPr lang="en-US" sz="1200" b="0" i="1" smtClean="0">
+                          <a:latin typeface="Cambria Math" panose="02040503050406030204" pitchFamily="18" charset="0"/>
+                        </a:rPr>
+                        <m:t>𝑛</m:t>
+                      </m:r>
+                      <m:r>
+                        <a:rPr lang="en-US" sz="1200" b="0" i="1" smtClean="0">
+                          <a:latin typeface="Cambria Math" panose="02040503050406030204" pitchFamily="18" charset="0"/>
+                        </a:rPr>
+                        <m:t>≤ </m:t>
+                      </m:r>
+                      <m:d>
+                        <m:dPr>
+                          <m:begChr m:val="|"/>
+                          <m:endChr m:val="|"/>
+                          <m:ctrlPr>
+                            <a:rPr lang="en-US" sz="1200" b="0" i="1" smtClean="0">
+                              <a:latin typeface="Cambria Math" panose="02040503050406030204" pitchFamily="18" charset="0"/>
+                            </a:rPr>
+                          </m:ctrlPr>
+                        </m:dPr>
+                        <m:e>
+                          <m:r>
+                            <a:rPr lang="en-US" sz="1200" b="0" i="1" smtClean="0">
+                              <a:latin typeface="Cambria Math" panose="02040503050406030204" pitchFamily="18" charset="0"/>
+                            </a:rPr>
+                            <m:t>𝑥</m:t>
+                          </m:r>
+                        </m:e>
+                      </m:d>
+                      <m:r>
+                        <a:rPr lang="en-US" sz="1200" b="0" i="1" smtClean="0">
+                          <a:latin typeface="Cambria Math" panose="02040503050406030204" pitchFamily="18" charset="0"/>
+                        </a:rPr>
+                        <m:t>×|</m:t>
+                      </m:r>
+                      <m:r>
+                        <a:rPr lang="en-US" sz="1200" b="0" i="1" smtClean="0">
+                          <a:latin typeface="Cambria Math" panose="02040503050406030204" pitchFamily="18" charset="0"/>
+                        </a:rPr>
+                        <m:t>𝑦</m:t>
+                      </m:r>
+                      <m:r>
+                        <a:rPr lang="en-US" sz="1200" b="0" i="1" smtClean="0">
+                          <a:latin typeface="Cambria Math" panose="02040503050406030204" pitchFamily="18" charset="0"/>
+                        </a:rPr>
+                        <m:t>|</m:t>
+                      </m:r>
+                    </m:oMath>
+                  </m:oMathPara>
+                </a14:m>
+                <a:endParaRPr lang="en-US" sz="1200" dirty="0"/>
+              </a:p>
+              <a:p>
+                <a:endParaRPr lang="en-US" sz="1200" dirty="0"/>
+              </a:p>
+              <a:p>
+                <a14:m>
+                  <m:oMath xmlns:m="http://schemas.openxmlformats.org/officeDocument/2006/math">
+                    <m:r>
+                      <a:rPr lang="en-US" sz="1200" i="1" dirty="0" smtClean="0">
+                        <a:latin typeface="Cambria Math" panose="02040503050406030204" pitchFamily="18" charset="0"/>
+                      </a:rPr>
+                      <m:t>𝑛</m:t>
+                    </m:r>
+                    <m:r>
+                      <a:rPr lang="en-US" sz="1200" i="1" dirty="0" smtClean="0">
+                        <a:latin typeface="Cambria Math" panose="02040503050406030204" pitchFamily="18" charset="0"/>
+                      </a:rPr>
+                      <m:t> =#</m:t>
+                    </m:r>
+                  </m:oMath>
+                </a14:m>
+                <a:r>
+                  <a:rPr lang="en-US" sz="1200" dirty="0"/>
+                  <a:t> white squares.</a:t>
+                </a:r>
+              </a:p>
+            </p:txBody>
+          </p:sp>
+        </mc:Choice>
+        <mc:Fallback xmlns="">
+          <p:sp>
+            <p:nvSpPr>
+              <p:cNvPr id="3" name="TextBox 2">
+                <a:extLst>
+                  <a:ext uri="{FF2B5EF4-FFF2-40B4-BE49-F238E27FC236}">
+                    <a16:creationId xmlns:a16="http://schemas.microsoft.com/office/drawing/2014/main" id="{A78B2A05-8718-D264-3F91-B1C48EDD3534}"/>
+                  </a:ext>
+                </a:extLst>
+              </p:cNvPr>
+              <p:cNvSpPr txBox="1">
+                <a:spLocks noRot="1" noChangeAspect="1" noMove="1" noResize="1" noEditPoints="1" noAdjustHandles="1" noChangeArrowheads="1" noChangeShapeType="1" noTextEdit="1"/>
+              </p:cNvSpPr>
+              <p:nvPr/>
+            </p:nvSpPr>
+            <p:spPr>
+              <a:xfrm>
+                <a:off x="990600" y="4343400"/>
+                <a:ext cx="1600200" cy="1200329"/>
+              </a:xfrm>
+              <a:prstGeom prst="rect">
+                <a:avLst/>
+              </a:prstGeom>
+              <a:blipFill>
+                <a:blip r:embed="rId7"/>
+                <a:stretch>
+                  <a:fillRect l="-382" t="-510" b="-3061"/>
+                </a:stretch>
+              </a:blipFill>
+            </p:spPr>
+            <p:txBody>
+              <a:bodyPr/>
+              <a:lstStyle/>
+              <a:p>
+                <a:r>
+                  <a:rPr lang="en-US">
+                    <a:noFill/>
+                  </a:rPr>
+                  <a:t> </a:t>
+                </a:r>
+              </a:p>
+            </p:txBody>
+          </p:sp>
+        </mc:Fallback>
+      </mc:AlternateContent>
       <mc:AlternateContent xmlns:mc="http://schemas.openxmlformats.org/markup-compatibility/2006" xmlns:a14="http://schemas.microsoft.com/office/drawing/2010/main">
         <mc:Choice Requires="a14">
           <p:sp>
@@ -10465,7 +9776,7 @@
             <p:spPr>
               <a:xfrm>
                 <a:off x="2693194" y="4343400"/>
-                <a:ext cx="1860945" cy="2076402"/>
+                <a:ext cx="1860945" cy="2347053"/>
               </a:xfrm>
               <a:prstGeom prst="rect">
                 <a:avLst/>
@@ -10479,116 +9790,216 @@
               <a:lstStyle/>
               <a:p>
                 <a:r>
-                  <a:rPr lang="en-US" sz="1400" dirty="0"/>
-                  <a:t>All arrangements with 8 queens on the board.</a:t>
+                  <a:rPr lang="en-US" sz="1200" dirty="0"/>
+                  <a:t>State: Board</a:t>
                 </a:r>
               </a:p>
               <a:p>
-                <a:endParaRPr lang="en-US" sz="1400" dirty="0"/>
+                <a:r>
+                  <a:rPr lang="en-US" sz="1200" dirty="0"/>
+                  <a:t>Action: Move one queen at a time</a:t>
+                </a:r>
               </a:p>
               <a:p>
+                <a:endParaRPr lang="en-US" sz="1200" dirty="0"/>
+              </a:p>
+              <a:p>
+                <a:r>
+                  <a:rPr lang="en-US" sz="1200" dirty="0"/>
+                  <a:t>Each square can have a queen:</a:t>
+                </a:r>
+              </a:p>
+              <a:p>
+                <a:pPr/>
+                <a14:m>
+                  <m:oMathPara xmlns:m="http://schemas.openxmlformats.org/officeDocument/2006/math">
+                    <m:oMathParaPr>
+                      <m:jc m:val="centerGroup"/>
+                    </m:oMathParaPr>
+                    <m:oMath xmlns:m="http://schemas.openxmlformats.org/officeDocument/2006/math">
+                      <m:r>
+                        <a:rPr lang="en-US" sz="1200" i="1" dirty="0" smtClean="0">
+                          <a:latin typeface="Cambria Math" panose="02040503050406030204" pitchFamily="18" charset="0"/>
+                        </a:rPr>
+                        <m:t>𝑛</m:t>
+                      </m:r>
+                      <m:r>
+                        <a:rPr lang="en-US" sz="1200" i="1" dirty="0" smtClean="0">
+                          <a:latin typeface="Cambria Math" panose="02040503050406030204" pitchFamily="18" charset="0"/>
+                        </a:rPr>
+                        <m:t> &lt;</m:t>
+                      </m:r>
+                      <m:sSup>
+                        <m:sSupPr>
+                          <m:ctrlPr>
+                            <a:rPr lang="en-US" sz="1200" b="0" i="1" dirty="0" smtClean="0">
+                              <a:latin typeface="Cambria Math" panose="02040503050406030204" pitchFamily="18" charset="0"/>
+                            </a:rPr>
+                          </m:ctrlPr>
+                        </m:sSupPr>
+                        <m:e>
+                          <m:r>
+                            <a:rPr lang="en-US" sz="1200" b="0" i="1" dirty="0" smtClean="0">
+                              <a:latin typeface="Cambria Math" panose="02040503050406030204" pitchFamily="18" charset="0"/>
+                            </a:rPr>
+                            <m:t>2</m:t>
+                          </m:r>
+                        </m:e>
+                        <m:sup>
+                          <m:r>
+                            <a:rPr lang="en-US" sz="1200" b="0" i="1" dirty="0" smtClean="0">
+                              <a:latin typeface="Cambria Math" panose="02040503050406030204" pitchFamily="18" charset="0"/>
+                            </a:rPr>
+                            <m:t>64</m:t>
+                          </m:r>
+                        </m:sup>
+                      </m:sSup>
+                      <m:r>
+                        <a:rPr lang="en-US" sz="1200" b="0" i="1" dirty="0" smtClean="0">
+                          <a:latin typeface="Cambria Math" panose="02040503050406030204" pitchFamily="18" charset="0"/>
+                        </a:rPr>
+                        <m:t>≈1.8×</m:t>
+                      </m:r>
+                      <m:sSup>
+                        <m:sSupPr>
+                          <m:ctrlPr>
+                            <a:rPr lang="en-US" sz="1200" b="0" i="1" dirty="0" smtClean="0">
+                              <a:latin typeface="Cambria Math" panose="02040503050406030204" pitchFamily="18" charset="0"/>
+                            </a:rPr>
+                          </m:ctrlPr>
+                        </m:sSupPr>
+                        <m:e>
+                          <m:r>
+                            <a:rPr lang="en-US" sz="1200" b="0" i="1" dirty="0" smtClean="0">
+                              <a:latin typeface="Cambria Math" panose="02040503050406030204" pitchFamily="18" charset="0"/>
+                            </a:rPr>
+                            <m:t>10</m:t>
+                          </m:r>
+                        </m:e>
+                        <m:sup>
+                          <m:r>
+                            <a:rPr lang="en-US" sz="1200" b="0" i="1" dirty="0" smtClean="0">
+                              <a:latin typeface="Cambria Math" panose="02040503050406030204" pitchFamily="18" charset="0"/>
+                            </a:rPr>
+                            <m:t>19</m:t>
+                          </m:r>
+                        </m:sup>
+                      </m:sSup>
+                    </m:oMath>
+                  </m:oMathPara>
+                </a14:m>
+                <a:endParaRPr lang="en-US" sz="1200" b="0" dirty="0"/>
+              </a:p>
+              <a:p>
+                <a:r>
+                  <a:rPr lang="en-US" sz="1200" dirty="0"/>
+                  <a:t>Each queen chooses a square:</a:t>
+                </a:r>
+              </a:p>
+              <a:p>
+                <a:pPr/>
+                <a14:m>
+                  <m:oMathPara xmlns:m="http://schemas.openxmlformats.org/officeDocument/2006/math">
+                    <m:oMathParaPr>
+                      <m:jc m:val="centerGroup"/>
+                    </m:oMathParaPr>
+                    <m:oMath xmlns:m="http://schemas.openxmlformats.org/officeDocument/2006/math">
+                      <m:r>
+                        <a:rPr lang="en-US" sz="1200" b="0" i="1" smtClean="0">
+                          <a:latin typeface="Cambria Math" panose="02040503050406030204" pitchFamily="18" charset="0"/>
+                        </a:rPr>
+                        <m:t>𝑛</m:t>
+                      </m:r>
+                      <m:r>
+                        <a:rPr lang="en-US" sz="1200" b="0" i="1" smtClean="0">
+                          <a:latin typeface="Cambria Math" panose="02040503050406030204" pitchFamily="18" charset="0"/>
+                        </a:rPr>
+                        <m:t>&lt;</m:t>
+                      </m:r>
+                      <m:sSup>
+                        <m:sSupPr>
+                          <m:ctrlPr>
+                            <a:rPr lang="en-US" sz="1200" b="0" i="1" smtClean="0">
+                              <a:latin typeface="Cambria Math" panose="02040503050406030204" pitchFamily="18" charset="0"/>
+                            </a:rPr>
+                          </m:ctrlPr>
+                        </m:sSupPr>
+                        <m:e>
+                          <m:r>
+                            <a:rPr lang="en-US" sz="1200" b="0" i="1" smtClean="0">
+                              <a:latin typeface="Cambria Math" panose="02040503050406030204" pitchFamily="18" charset="0"/>
+                            </a:rPr>
+                            <m:t>64</m:t>
+                          </m:r>
+                        </m:e>
+                        <m:sup>
+                          <m:r>
+                            <a:rPr lang="en-US" sz="1200" b="0" i="1" smtClean="0">
+                              <a:latin typeface="Cambria Math" panose="02040503050406030204" pitchFamily="18" charset="0"/>
+                            </a:rPr>
+                            <m:t>8</m:t>
+                          </m:r>
+                        </m:sup>
+                      </m:sSup>
+                      <m:r>
+                        <a:rPr lang="en-US" sz="1200" b="0" i="1" smtClean="0">
+                          <a:latin typeface="Cambria Math" panose="02040503050406030204" pitchFamily="18" charset="0"/>
+                        </a:rPr>
+                        <m:t>≈2.9×</m:t>
+                      </m:r>
+                      <m:sSup>
+                        <m:sSupPr>
+                          <m:ctrlPr>
+                            <a:rPr lang="en-US" sz="1200" b="0" i="1" smtClean="0">
+                              <a:latin typeface="Cambria Math" panose="02040503050406030204" pitchFamily="18" charset="0"/>
+                            </a:rPr>
+                          </m:ctrlPr>
+                        </m:sSupPr>
+                        <m:e>
+                          <m:r>
+                            <a:rPr lang="en-US" sz="1200" b="0" i="1" smtClean="0">
+                              <a:latin typeface="Cambria Math" panose="02040503050406030204" pitchFamily="18" charset="0"/>
+                            </a:rPr>
+                            <m:t>10</m:t>
+                          </m:r>
+                        </m:e>
+                        <m:sup>
+                          <m:r>
+                            <a:rPr lang="en-US" sz="1200" b="0" i="1" smtClean="0">
+                              <a:latin typeface="Cambria Math" panose="02040503050406030204" pitchFamily="18" charset="0"/>
+                            </a:rPr>
+                            <m:t>14</m:t>
+                          </m:r>
+                        </m:sup>
+                      </m:sSup>
+                    </m:oMath>
+                  </m:oMathPara>
+                </a14:m>
+                <a:endParaRPr lang="en-US" sz="1200" b="0" dirty="0"/>
+              </a:p>
+              <a:p>
+                <a:r>
+                  <a:rPr lang="en-US" sz="1200" dirty="0"/>
+                  <a:t>Choose 8 squares</a:t>
+                </a:r>
+                <a:r>
+                  <a:rPr lang="en-US" sz="1200" b="0" dirty="0"/>
+                  <a:t>:</a:t>
+                </a:r>
+                <a:endParaRPr lang="en-US" sz="1200" dirty="0"/>
+              </a:p>
+              <a:p>
+                <a:pPr algn="ctr"/>
                 <a14:m>
                   <m:oMath xmlns:m="http://schemas.openxmlformats.org/officeDocument/2006/math">
                     <m:r>
-                      <a:rPr lang="en-US" sz="1400" i="1" dirty="0" smtClean="0">
+                      <a:rPr lang="en-US" sz="1200" b="0" i="1" smtClean="0">
                         <a:latin typeface="Cambria Math" panose="02040503050406030204" pitchFamily="18" charset="0"/>
                       </a:rPr>
                       <m:t>𝑛</m:t>
                     </m:r>
                     <m:r>
-                      <a:rPr lang="en-US" sz="1400" i="1" dirty="0" smtClean="0">
-                        <a:latin typeface="Cambria Math" panose="02040503050406030204" pitchFamily="18" charset="0"/>
-                      </a:rPr>
-                      <m:t> &lt;</m:t>
-                    </m:r>
-                    <m:sSup>
-                      <m:sSupPr>
-                        <m:ctrlPr>
-                          <a:rPr lang="en-US" sz="1400" b="0" i="1" dirty="0" smtClean="0">
-                            <a:latin typeface="Cambria Math" panose="02040503050406030204" pitchFamily="18" charset="0"/>
-                          </a:rPr>
-                        </m:ctrlPr>
-                      </m:sSupPr>
-                      <m:e>
-                        <m:r>
-                          <a:rPr lang="en-US" sz="1400" b="0" i="1" dirty="0" smtClean="0">
-                            <a:latin typeface="Cambria Math" panose="02040503050406030204" pitchFamily="18" charset="0"/>
-                          </a:rPr>
-                          <m:t>2</m:t>
-                        </m:r>
-                      </m:e>
-                      <m:sup>
-                        <m:r>
-                          <a:rPr lang="en-US" sz="1400" b="0" i="1" dirty="0" smtClean="0">
-                            <a:latin typeface="Cambria Math" panose="02040503050406030204" pitchFamily="18" charset="0"/>
-                          </a:rPr>
-                          <m:t>64</m:t>
-                        </m:r>
-                      </m:sup>
-                    </m:sSup>
-                    <m:r>
-                      <a:rPr lang="en-US" sz="1400" b="0" i="1" dirty="0" smtClean="0">
-                        <a:latin typeface="Cambria Math" panose="02040503050406030204" pitchFamily="18" charset="0"/>
-                      </a:rPr>
-                      <m:t>≈1.8×</m:t>
-                    </m:r>
-                    <m:sSup>
-                      <m:sSupPr>
-                        <m:ctrlPr>
-                          <a:rPr lang="en-US" sz="1400" b="0" i="1" dirty="0" smtClean="0">
-                            <a:latin typeface="Cambria Math" panose="02040503050406030204" pitchFamily="18" charset="0"/>
-                          </a:rPr>
-                        </m:ctrlPr>
-                      </m:sSupPr>
-                      <m:e>
-                        <m:r>
-                          <a:rPr lang="en-US" sz="1400" b="0" i="1" dirty="0" smtClean="0">
-                            <a:latin typeface="Cambria Math" panose="02040503050406030204" pitchFamily="18" charset="0"/>
-                          </a:rPr>
-                          <m:t>10</m:t>
-                        </m:r>
-                      </m:e>
-                      <m:sup>
-                        <m:r>
-                          <a:rPr lang="en-US" sz="1400" b="0" i="1" dirty="0" smtClean="0">
-                            <a:latin typeface="Cambria Math" panose="02040503050406030204" pitchFamily="18" charset="0"/>
-                          </a:rPr>
-                          <m:t>19</m:t>
-                        </m:r>
-                      </m:sup>
-                    </m:sSup>
-                  </m:oMath>
-                </a14:m>
-                <a:r>
-                  <a:rPr lang="en-US" sz="1400" b="0" dirty="0"/>
-                  <a:t>  </a:t>
-                </a:r>
-              </a:p>
-              <a:p>
-                <a:endParaRPr lang="en-US" sz="1400" b="0" dirty="0"/>
-              </a:p>
-              <a:p>
-                <a:r>
-                  <a:rPr lang="en-US" sz="1400" dirty="0"/>
-                  <a:t>We can only have 8 queens</a:t>
-                </a:r>
-                <a:r>
-                  <a:rPr lang="en-US" sz="1400" b="0" dirty="0"/>
-                  <a:t>:</a:t>
-                </a:r>
-                <a:br>
-                  <a:rPr lang="en-US" sz="1400" b="0" dirty="0"/>
-                </a:br>
-                <a14:m>
-                  <m:oMath xmlns:m="http://schemas.openxmlformats.org/officeDocument/2006/math">
-                    <m:r>
-                      <a:rPr lang="en-US" sz="1400" b="0" i="1" smtClean="0">
-                        <a:latin typeface="Cambria Math" panose="02040503050406030204" pitchFamily="18" charset="0"/>
-                      </a:rPr>
-                      <m:t>𝑛</m:t>
-                    </m:r>
-                    <m:r>
-                      <a:rPr lang="en-US" sz="1400" b="0" i="1" smtClean="0">
+                      <a:rPr lang="en-US" sz="1200" b="0" i="1" smtClean="0">
                         <a:latin typeface="Cambria Math" panose="02040503050406030204" pitchFamily="18" charset="0"/>
                       </a:rPr>
                       <m:t>= </m:t>
@@ -10596,7 +10007,7 @@
                     <m:d>
                       <m:dPr>
                         <m:ctrlPr>
-                          <a:rPr lang="en-US" sz="1400" b="0" i="1" smtClean="0">
+                          <a:rPr lang="en-US" sz="1200" b="0" i="1" smtClean="0">
                             <a:latin typeface="Cambria Math" panose="02040503050406030204" pitchFamily="18" charset="0"/>
                           </a:rPr>
                         </m:ctrlPr>
@@ -10606,14 +10017,14 @@
                           <m:fPr>
                             <m:type m:val="noBar"/>
                             <m:ctrlPr>
-                              <a:rPr lang="en-US" sz="1400" b="0" i="1" smtClean="0">
+                              <a:rPr lang="en-US" sz="1200" b="0" i="1" smtClean="0">
                                 <a:latin typeface="Cambria Math" panose="02040503050406030204" pitchFamily="18" charset="0"/>
                               </a:rPr>
                             </m:ctrlPr>
                           </m:fPr>
                           <m:num>
                             <m:r>
-                              <a:rPr lang="en-US" sz="1400" b="0" i="1" smtClean="0">
+                              <a:rPr lang="en-US" sz="1200" b="0" i="1" smtClean="0">
                                 <a:latin typeface="Cambria Math" panose="02040503050406030204" pitchFamily="18" charset="0"/>
                               </a:rPr>
                               <m:t>64</m:t>
@@ -10621,7 +10032,7 @@
                           </m:num>
                           <m:den>
                             <m:r>
-                              <a:rPr lang="en-US" sz="1400" b="0" i="1" smtClean="0">
+                              <a:rPr lang="en-US" sz="1200" b="0" i="1" smtClean="0">
                                 <a:latin typeface="Cambria Math" panose="02040503050406030204" pitchFamily="18" charset="0"/>
                               </a:rPr>
                               <m:t>8</m:t>
@@ -10631,7 +10042,7 @@
                       </m:e>
                     </m:d>
                     <m:r>
-                      <a:rPr lang="en-US" sz="1400" b="0" i="1" smtClean="0">
+                      <a:rPr lang="en-US" sz="1200" b="0" i="1" smtClean="0">
                         <a:latin typeface="Cambria Math" panose="02040503050406030204" pitchFamily="18" charset="0"/>
                       </a:rPr>
                       <m:t>≈4.4×</m:t>
@@ -10639,14 +10050,14 @@
                     <m:sSup>
                       <m:sSupPr>
                         <m:ctrlPr>
-                          <a:rPr lang="en-US" sz="1400" b="0" i="1" smtClean="0">
+                          <a:rPr lang="en-US" sz="1200" b="0" i="1" smtClean="0">
                             <a:latin typeface="Cambria Math" panose="02040503050406030204" pitchFamily="18" charset="0"/>
                           </a:rPr>
                         </m:ctrlPr>
                       </m:sSupPr>
                       <m:e>
                         <m:r>
-                          <a:rPr lang="en-US" sz="1400" b="0" i="1" smtClean="0">
+                          <a:rPr lang="en-US" sz="1200" b="0" i="1" smtClean="0">
                             <a:latin typeface="Cambria Math" panose="02040503050406030204" pitchFamily="18" charset="0"/>
                           </a:rPr>
                           <m:t>10</m:t>
@@ -10654,7 +10065,7 @@
                       </m:e>
                       <m:sup>
                         <m:r>
-                          <a:rPr lang="en-US" sz="1400" b="0" i="1" smtClean="0">
+                          <a:rPr lang="en-US" sz="1200" b="0" i="1" smtClean="0">
                             <a:latin typeface="Cambria Math" panose="02040503050406030204" pitchFamily="18" charset="0"/>
                           </a:rPr>
                           <m:t>9</m:t>
@@ -10664,7 +10075,7 @@
                   </m:oMath>
                 </a14:m>
                 <a:r>
-                  <a:rPr lang="en-US" sz="1400" dirty="0"/>
+                  <a:rPr lang="en-US" sz="1200" dirty="0"/>
                   <a:t> </a:t>
                 </a:r>
               </a:p>
@@ -10689,15 +10100,15 @@
             <p:spPr>
               <a:xfrm>
                 <a:off x="2693194" y="4343400"/>
-                <a:ext cx="1860945" cy="2076402"/>
+                <a:ext cx="1860945" cy="2347053"/>
               </a:xfrm>
               <a:prstGeom prst="rect">
                 <a:avLst/>
               </a:prstGeom>
               <a:blipFill>
-                <a:blip r:embed="rId7"/>
+                <a:blip r:embed="rId8"/>
                 <a:stretch>
-                  <a:fillRect l="-984" t="-588"/>
+                  <a:fillRect l="-328" t="-260"/>
                 </a:stretch>
               </a:blipFill>
             </p:spPr>
@@ -10733,7 +10144,7 @@
             <p:spPr>
               <a:xfrm>
                 <a:off x="4720830" y="4343400"/>
-                <a:ext cx="1600200" cy="2003754"/>
+                <a:ext cx="1600200" cy="2099998"/>
               </a:xfrm>
               <a:prstGeom prst="rect">
                 <a:avLst/>
@@ -10747,12 +10158,21 @@
               <a:lstStyle/>
               <a:p>
                 <a:r>
-                  <a:rPr lang="en-US" sz="1400" dirty="0"/>
+                  <a:rPr lang="en-US" sz="1200" dirty="0"/>
+                  <a:t>State: Tile arrangement</a:t>
+                </a:r>
+              </a:p>
+              <a:p>
+                <a:endParaRPr lang="en-US" sz="1200" dirty="0"/>
+              </a:p>
+              <a:p>
+                <a:r>
+                  <a:rPr lang="en-US" sz="1200" dirty="0"/>
                   <a:t>All arrangements of 9 elements.</a:t>
                 </a:r>
               </a:p>
               <a:p>
-                <a:endParaRPr lang="en-US" sz="1400" dirty="0"/>
+                <a:endParaRPr lang="en-US" sz="1200" dirty="0"/>
               </a:p>
               <a:p>
                 <a:pPr/>
@@ -10763,13 +10183,13 @@
                     </m:oMathParaPr>
                     <m:oMath xmlns:m="http://schemas.openxmlformats.org/officeDocument/2006/math">
                       <m:r>
-                        <a:rPr lang="en-US" sz="1400" i="1" dirty="0" smtClean="0">
+                        <a:rPr lang="en-US" sz="1200" i="1" dirty="0" smtClean="0">
                           <a:latin typeface="Cambria Math" panose="02040503050406030204" pitchFamily="18" charset="0"/>
                         </a:rPr>
                         <m:t>𝑛</m:t>
                       </m:r>
                       <m:r>
-                        <a:rPr lang="en-US" sz="1400" b="0" i="1" dirty="0" smtClean="0">
+                        <a:rPr lang="en-US" sz="1200" b="0" i="1" dirty="0" smtClean="0">
                           <a:latin typeface="Cambria Math" panose="02040503050406030204" pitchFamily="18" charset="0"/>
                         </a:rPr>
                         <m:t>≤9!</m:t>
@@ -10777,19 +10197,19 @@
                     </m:oMath>
                   </m:oMathPara>
                 </a14:m>
-                <a:endParaRPr lang="en-US" sz="1400" b="0" dirty="0"/>
+                <a:endParaRPr lang="en-US" sz="1200" b="0" dirty="0"/>
               </a:p>
               <a:p>
                 <a:pPr/>
                 <a:br>
-                  <a:rPr lang="en-US" sz="1400" b="0" dirty="0"/>
+                  <a:rPr lang="en-US" sz="1200" b="0" dirty="0"/>
                 </a:br>
                 <a:r>
-                  <a:rPr lang="en-US" sz="1400" b="0" dirty="0"/>
+                  <a:rPr lang="en-US" sz="1200" b="0" dirty="0"/>
                   <a:t>Half is unreachable:</a:t>
                 </a:r>
                 <a:br>
-                  <a:rPr lang="en-US" sz="1400" b="0" dirty="0"/>
+                  <a:rPr lang="en-US" sz="1200" b="0" dirty="0"/>
                 </a:br>
                 <a14:m>
                   <m:oMathPara xmlns:m="http://schemas.openxmlformats.org/officeDocument/2006/math">
@@ -10798,13 +10218,13 @@
                     </m:oMathParaPr>
                     <m:oMath xmlns:m="http://schemas.openxmlformats.org/officeDocument/2006/math">
                       <m:r>
-                        <a:rPr lang="en-US" sz="1400" b="0" i="1" smtClean="0">
+                        <a:rPr lang="en-US" sz="1200" b="0" i="1" smtClean="0">
                           <a:latin typeface="Cambria Math" panose="02040503050406030204" pitchFamily="18" charset="0"/>
                         </a:rPr>
                         <m:t>𝑛</m:t>
                       </m:r>
                       <m:r>
-                        <a:rPr lang="en-US" sz="1400" b="0" i="1" smtClean="0">
+                        <a:rPr lang="en-US" sz="1200" b="0" i="1" smtClean="0">
                           <a:latin typeface="Cambria Math" panose="02040503050406030204" pitchFamily="18" charset="0"/>
                         </a:rPr>
                         <m:t>=</m:t>
@@ -10812,14 +10232,14 @@
                       <m:f>
                         <m:fPr>
                           <m:ctrlPr>
-                            <a:rPr lang="en-US" sz="1400" b="0" i="1" smtClean="0">
+                            <a:rPr lang="en-US" sz="1200" b="0" i="1" smtClean="0">
                               <a:latin typeface="Cambria Math" panose="02040503050406030204" pitchFamily="18" charset="0"/>
                             </a:rPr>
                           </m:ctrlPr>
                         </m:fPr>
                         <m:num>
                           <m:r>
-                            <a:rPr lang="en-US" sz="1400" b="0" i="1" smtClean="0">
+                            <a:rPr lang="en-US" sz="1200" b="0" i="1" smtClean="0">
                               <a:latin typeface="Cambria Math" panose="02040503050406030204" pitchFamily="18" charset="0"/>
                             </a:rPr>
                             <m:t>9!</m:t>
@@ -10827,7 +10247,7 @@
                         </m:num>
                         <m:den>
                           <m:r>
-                            <a:rPr lang="en-US" sz="1400" b="0" i="1" smtClean="0">
+                            <a:rPr lang="en-US" sz="1200" b="0" i="1" smtClean="0">
                               <a:latin typeface="Cambria Math" panose="02040503050406030204" pitchFamily="18" charset="0"/>
                             </a:rPr>
                             <m:t>2</m:t>
@@ -10835,13 +10255,13 @@
                         </m:den>
                       </m:f>
                       <m:r>
-                        <a:rPr lang="en-US" sz="1400" b="0" i="1" smtClean="0">
+                        <a:rPr lang="en-US" sz="1200" b="0" i="1" smtClean="0">
                           <a:latin typeface="Cambria Math" panose="02040503050406030204" pitchFamily="18" charset="0"/>
                         </a:rPr>
                         <m:t>=</m:t>
                       </m:r>
                       <m:r>
-                        <a:rPr lang="en-US" sz="1400" i="1" dirty="0">
+                        <a:rPr lang="en-US" sz="1200" i="1" dirty="0">
                           <a:latin typeface="Cambria Math" panose="02040503050406030204" pitchFamily="18" charset="0"/>
                         </a:rPr>
                         <m:t>181,440</m:t>
@@ -10849,7 +10269,7 @@
                     </m:oMath>
                   </m:oMathPara>
                 </a14:m>
-                <a:endParaRPr lang="en-US" sz="1400" dirty="0"/>
+                <a:endParaRPr lang="en-US" sz="1200" dirty="0"/>
               </a:p>
             </p:txBody>
           </p:sp>
@@ -10872,15 +10292,15 @@
             <p:spPr>
               <a:xfrm>
                 <a:off x="4720830" y="4343400"/>
-                <a:ext cx="1600200" cy="2003754"/>
+                <a:ext cx="1600200" cy="2099998"/>
               </a:xfrm>
               <a:prstGeom prst="rect">
                 <a:avLst/>
               </a:prstGeom>
               <a:blipFill>
-                <a:blip r:embed="rId8"/>
+                <a:blip r:embed="rId9"/>
                 <a:stretch>
-                  <a:fillRect l="-1141" t="-610"/>
+                  <a:fillRect t="-291"/>
                 </a:stretch>
               </a:blipFill>
             </p:spPr>
@@ -10916,7 +10336,7 @@
             <p:spPr>
               <a:xfrm>
                 <a:off x="6558096" y="4367293"/>
-                <a:ext cx="1823903" cy="2154436"/>
+                <a:ext cx="1823903" cy="1938992"/>
               </a:xfrm>
               <a:prstGeom prst="rect">
                 <a:avLst/>
@@ -10930,14 +10350,14 @@
               <a:lstStyle/>
               <a:p>
                 <a:r>
-                  <a:rPr lang="en-US" sz="1400" dirty="0"/>
-                  <a:t>All possible boards.</a:t>
+                  <a:rPr lang="en-US" sz="1200" dirty="0"/>
+                  <a:t>State: Board</a:t>
                 </a:r>
               </a:p>
               <a:p>
                 <a:pPr/>
                 <a:br>
-                  <a:rPr lang="en-US" sz="1400" b="0" dirty="0"/>
+                  <a:rPr lang="en-US" sz="1200" b="0" dirty="0"/>
                 </a:br>
                 <a14:m>
                   <m:oMathPara xmlns:m="http://schemas.openxmlformats.org/officeDocument/2006/math">
@@ -10946,13 +10366,13 @@
                     </m:oMathParaPr>
                     <m:oMath xmlns:m="http://schemas.openxmlformats.org/officeDocument/2006/math">
                       <m:r>
-                        <a:rPr lang="en-US" sz="1400" b="0" i="1" smtClean="0">
+                        <a:rPr lang="en-US" sz="1200" b="0" i="1" smtClean="0">
                           <a:latin typeface="Cambria Math" panose="02040503050406030204" pitchFamily="18" charset="0"/>
                         </a:rPr>
                         <m:t>𝑛</m:t>
                       </m:r>
                       <m:r>
-                        <a:rPr lang="en-US" sz="1400" b="0" i="1" smtClean="0">
+                        <a:rPr lang="en-US" sz="1200" b="0" i="1" smtClean="0">
                           <a:latin typeface="Cambria Math" panose="02040503050406030204" pitchFamily="18" charset="0"/>
                         </a:rPr>
                         <m:t>&lt;</m:t>
@@ -10960,14 +10380,14 @@
                       <m:sSup>
                         <m:sSupPr>
                           <m:ctrlPr>
-                            <a:rPr lang="en-US" sz="1400" b="0" i="1" smtClean="0">
+                            <a:rPr lang="en-US" sz="1200" b="0" i="1" smtClean="0">
                               <a:latin typeface="Cambria Math" panose="02040503050406030204" pitchFamily="18" charset="0"/>
                             </a:rPr>
                           </m:ctrlPr>
                         </m:sSupPr>
                         <m:e>
                           <m:r>
-                            <a:rPr lang="en-US" sz="1400" b="0" i="1" smtClean="0">
+                            <a:rPr lang="en-US" sz="1200" b="0" i="1" smtClean="0">
                               <a:latin typeface="Cambria Math" panose="02040503050406030204" pitchFamily="18" charset="0"/>
                             </a:rPr>
                             <m:t>3</m:t>
@@ -10975,7 +10395,7 @@
                         </m:e>
                         <m:sup>
                           <m:r>
-                            <a:rPr lang="en-US" sz="1400" b="0" i="1" smtClean="0">
+                            <a:rPr lang="en-US" sz="1200" b="0" i="1" smtClean="0">
                               <a:latin typeface="Cambria Math" panose="02040503050406030204" pitchFamily="18" charset="0"/>
                             </a:rPr>
                             <m:t>9</m:t>
@@ -10983,7 +10403,7 @@
                         </m:sup>
                       </m:sSup>
                       <m:r>
-                        <a:rPr lang="en-US" sz="1400" b="0" i="1" smtClean="0">
+                        <a:rPr lang="en-US" sz="1200" b="0" i="1" smtClean="0">
                           <a:latin typeface="Cambria Math" panose="02040503050406030204" pitchFamily="18" charset="0"/>
                         </a:rPr>
                         <m:t>=19,683</m:t>
@@ -10991,19 +10411,19 @@
                     </m:oMath>
                   </m:oMathPara>
                 </a14:m>
-                <a:endParaRPr lang="en-US" sz="1400" dirty="0"/>
+                <a:endParaRPr lang="en-US" sz="1200" dirty="0"/>
               </a:p>
               <a:p>
-                <a:endParaRPr lang="en-US" sz="1400" dirty="0"/>
+                <a:endParaRPr lang="en-US" sz="1200" dirty="0"/>
               </a:p>
               <a:p>
                 <a:r>
-                  <a:rPr lang="en-US" sz="1400" dirty="0"/>
+                  <a:rPr lang="en-US" sz="1200" dirty="0"/>
                   <a:t>Many boards are not legal (e.g., all x’s)</a:t>
                 </a:r>
               </a:p>
               <a:p>
-                <a:endParaRPr lang="en-US" sz="1400" dirty="0"/>
+                <a:endParaRPr lang="en-US" sz="1200" dirty="0"/>
               </a:p>
               <a:p>
                 <a:r>
@@ -11032,15 +10452,15 @@
             <p:spPr>
               <a:xfrm>
                 <a:off x="6558096" y="4367293"/>
-                <a:ext cx="1823903" cy="2154436"/>
+                <a:ext cx="1823903" cy="1938992"/>
               </a:xfrm>
               <a:prstGeom prst="rect">
                 <a:avLst/>
               </a:prstGeom>
               <a:blipFill>
-                <a:blip r:embed="rId9"/>
+                <a:blip r:embed="rId10"/>
                 <a:stretch>
-                  <a:fillRect l="-1003" t="-282" b="-1130"/>
+                  <a:fillRect l="-334" r="-334" b="-1572"/>
                 </a:stretch>
               </a:blipFill>
             </p:spPr>
@@ -11197,7 +10617,7 @@
     </p:spTree>
     <p:extLst>
       <p:ext uri="{BB962C8B-B14F-4D97-AF65-F5344CB8AC3E}">
-        <p14:creationId xmlns:p14="http://schemas.microsoft.com/office/powerpoint/2010/main" val="3284274137"/>
+        <p14:creationId xmlns:p14="http://schemas.microsoft.com/office/powerpoint/2010/main" val="3014209493"/>
       </p:ext>
     </p:extLst>
   </p:cSld>
@@ -11888,315 +11308,6 @@
   <p:clrMapOvr>
     <a:masterClrMapping/>
   </p:clrMapOvr>
-  <p:timing>
-    <p:tnLst>
-      <p:par>
-        <p:cTn id="1" dur="indefinite" restart="never" nodeType="tmRoot">
-          <p:childTnLst>
-            <p:seq concurrent="1" nextAc="seek">
-              <p:cTn id="2" dur="indefinite" nodeType="mainSeq">
-                <p:childTnLst>
-                  <p:par>
-                    <p:cTn id="3" fill="hold">
-                      <p:stCondLst>
-                        <p:cond delay="indefinite"/>
-                      </p:stCondLst>
-                      <p:childTnLst>
-                        <p:par>
-                          <p:cTn id="4" fill="hold">
-                            <p:stCondLst>
-                              <p:cond delay="0"/>
-                            </p:stCondLst>
-                            <p:childTnLst>
-                              <p:par>
-                                <p:cTn id="5" presetID="1" presetClass="entr" presetSubtype="0" fill="hold" grpId="0" nodeType="clickEffect">
-                                  <p:stCondLst>
-                                    <p:cond delay="0"/>
-                                  </p:stCondLst>
-                                  <p:childTnLst>
-                                    <p:set>
-                                      <p:cBhvr>
-                                        <p:cTn id="6" dur="1" fill="hold">
-                                          <p:stCondLst>
-                                            <p:cond delay="0"/>
-                                          </p:stCondLst>
-                                        </p:cTn>
-                                        <p:tgtEl>
-                                          <p:spTgt spid="21">
-                                            <p:txEl>
-                                              <p:pRg st="0" end="0"/>
-                                            </p:txEl>
-                                          </p:spTgt>
-                                        </p:tgtEl>
-                                        <p:attrNameLst>
-                                          <p:attrName>style.visibility</p:attrName>
-                                        </p:attrNameLst>
-                                      </p:cBhvr>
-                                      <p:to>
-                                        <p:strVal val="visible"/>
-                                      </p:to>
-                                    </p:set>
-                                  </p:childTnLst>
-                                </p:cTn>
-                              </p:par>
-                            </p:childTnLst>
-                          </p:cTn>
-                        </p:par>
-                      </p:childTnLst>
-                    </p:cTn>
-                  </p:par>
-                  <p:par>
-                    <p:cTn id="7" fill="hold">
-                      <p:stCondLst>
-                        <p:cond delay="indefinite"/>
-                      </p:stCondLst>
-                      <p:childTnLst>
-                        <p:par>
-                          <p:cTn id="8" fill="hold">
-                            <p:stCondLst>
-                              <p:cond delay="0"/>
-                            </p:stCondLst>
-                            <p:childTnLst>
-                              <p:par>
-                                <p:cTn id="9" presetID="1" presetClass="entr" presetSubtype="0" fill="hold" grpId="0" nodeType="clickEffect">
-                                  <p:stCondLst>
-                                    <p:cond delay="0"/>
-                                  </p:stCondLst>
-                                  <p:childTnLst>
-                                    <p:set>
-                                      <p:cBhvr>
-                                        <p:cTn id="10" dur="1" fill="hold">
-                                          <p:stCondLst>
-                                            <p:cond delay="0"/>
-                                          </p:stCondLst>
-                                        </p:cTn>
-                                        <p:tgtEl>
-                                          <p:spTgt spid="21">
-                                            <p:txEl>
-                                              <p:pRg st="1" end="1"/>
-                                            </p:txEl>
-                                          </p:spTgt>
-                                        </p:tgtEl>
-                                        <p:attrNameLst>
-                                          <p:attrName>style.visibility</p:attrName>
-                                        </p:attrNameLst>
-                                      </p:cBhvr>
-                                      <p:to>
-                                        <p:strVal val="visible"/>
-                                      </p:to>
-                                    </p:set>
-                                  </p:childTnLst>
-                                </p:cTn>
-                              </p:par>
-                            </p:childTnLst>
-                          </p:cTn>
-                        </p:par>
-                      </p:childTnLst>
-                    </p:cTn>
-                  </p:par>
-                  <p:par>
-                    <p:cTn id="11" fill="hold">
-                      <p:stCondLst>
-                        <p:cond delay="indefinite"/>
-                      </p:stCondLst>
-                      <p:childTnLst>
-                        <p:par>
-                          <p:cTn id="12" fill="hold">
-                            <p:stCondLst>
-                              <p:cond delay="0"/>
-                            </p:stCondLst>
-                            <p:childTnLst>
-                              <p:par>
-                                <p:cTn id="13" presetID="1" presetClass="entr" presetSubtype="0" fill="hold" grpId="0" nodeType="clickEffect">
-                                  <p:stCondLst>
-                                    <p:cond delay="0"/>
-                                  </p:stCondLst>
-                                  <p:childTnLst>
-                                    <p:set>
-                                      <p:cBhvr>
-                                        <p:cTn id="14" dur="1" fill="hold">
-                                          <p:stCondLst>
-                                            <p:cond delay="0"/>
-                                          </p:stCondLst>
-                                        </p:cTn>
-                                        <p:tgtEl>
-                                          <p:spTgt spid="21">
-                                            <p:txEl>
-                                              <p:pRg st="2" end="2"/>
-                                            </p:txEl>
-                                          </p:spTgt>
-                                        </p:tgtEl>
-                                        <p:attrNameLst>
-                                          <p:attrName>style.visibility</p:attrName>
-                                        </p:attrNameLst>
-                                      </p:cBhvr>
-                                      <p:to>
-                                        <p:strVal val="visible"/>
-                                      </p:to>
-                                    </p:set>
-                                  </p:childTnLst>
-                                </p:cTn>
-                              </p:par>
-                            </p:childTnLst>
-                          </p:cTn>
-                        </p:par>
-                      </p:childTnLst>
-                    </p:cTn>
-                  </p:par>
-                  <p:par>
-                    <p:cTn id="15" fill="hold">
-                      <p:stCondLst>
-                        <p:cond delay="indefinite"/>
-                      </p:stCondLst>
-                      <p:childTnLst>
-                        <p:par>
-                          <p:cTn id="16" fill="hold">
-                            <p:stCondLst>
-                              <p:cond delay="0"/>
-                            </p:stCondLst>
-                            <p:childTnLst>
-                              <p:par>
-                                <p:cTn id="17" presetID="1" presetClass="entr" presetSubtype="0" fill="hold" grpId="0" nodeType="clickEffect">
-                                  <p:stCondLst>
-                                    <p:cond delay="0"/>
-                                  </p:stCondLst>
-                                  <p:childTnLst>
-                                    <p:set>
-                                      <p:cBhvr>
-                                        <p:cTn id="18" dur="1" fill="hold">
-                                          <p:stCondLst>
-                                            <p:cond delay="0"/>
-                                          </p:stCondLst>
-                                        </p:cTn>
-                                        <p:tgtEl>
-                                          <p:spTgt spid="21">
-                                            <p:txEl>
-                                              <p:pRg st="3" end="3"/>
-                                            </p:txEl>
-                                          </p:spTgt>
-                                        </p:tgtEl>
-                                        <p:attrNameLst>
-                                          <p:attrName>style.visibility</p:attrName>
-                                        </p:attrNameLst>
-                                      </p:cBhvr>
-                                      <p:to>
-                                        <p:strVal val="visible"/>
-                                      </p:to>
-                                    </p:set>
-                                  </p:childTnLst>
-                                </p:cTn>
-                              </p:par>
-                            </p:childTnLst>
-                          </p:cTn>
-                        </p:par>
-                      </p:childTnLst>
-                    </p:cTn>
-                  </p:par>
-                  <p:par>
-                    <p:cTn id="19" fill="hold">
-                      <p:stCondLst>
-                        <p:cond delay="indefinite"/>
-                      </p:stCondLst>
-                      <p:childTnLst>
-                        <p:par>
-                          <p:cTn id="20" fill="hold">
-                            <p:stCondLst>
-                              <p:cond delay="0"/>
-                            </p:stCondLst>
-                            <p:childTnLst>
-                              <p:par>
-                                <p:cTn id="21" presetID="1" presetClass="entr" presetSubtype="0" fill="hold" grpId="0" nodeType="clickEffect">
-                                  <p:stCondLst>
-                                    <p:cond delay="0"/>
-                                  </p:stCondLst>
-                                  <p:childTnLst>
-                                    <p:set>
-                                      <p:cBhvr>
-                                        <p:cTn id="22" dur="1" fill="hold">
-                                          <p:stCondLst>
-                                            <p:cond delay="0"/>
-                                          </p:stCondLst>
-                                        </p:cTn>
-                                        <p:tgtEl>
-                                          <p:spTgt spid="21">
-                                            <p:txEl>
-                                              <p:pRg st="4" end="4"/>
-                                            </p:txEl>
-                                          </p:spTgt>
-                                        </p:tgtEl>
-                                        <p:attrNameLst>
-                                          <p:attrName>style.visibility</p:attrName>
-                                        </p:attrNameLst>
-                                      </p:cBhvr>
-                                      <p:to>
-                                        <p:strVal val="visible"/>
-                                      </p:to>
-                                    </p:set>
-                                  </p:childTnLst>
-                                </p:cTn>
-                              </p:par>
-                              <p:par>
-                                <p:cTn id="23" presetID="1" presetClass="entr" presetSubtype="0" fill="hold" grpId="0" nodeType="withEffect">
-                                  <p:stCondLst>
-                                    <p:cond delay="0"/>
-                                  </p:stCondLst>
-                                  <p:childTnLst>
-                                    <p:set>
-                                      <p:cBhvr>
-                                        <p:cTn id="24" dur="1" fill="hold">
-                                          <p:stCondLst>
-                                            <p:cond delay="0"/>
-                                          </p:stCondLst>
-                                        </p:cTn>
-                                        <p:tgtEl>
-                                          <p:spTgt spid="21">
-                                            <p:txEl>
-                                              <p:pRg st="5" end="5"/>
-                                            </p:txEl>
-                                          </p:spTgt>
-                                        </p:tgtEl>
-                                        <p:attrNameLst>
-                                          <p:attrName>style.visibility</p:attrName>
-                                        </p:attrNameLst>
-                                      </p:cBhvr>
-                                      <p:to>
-                                        <p:strVal val="visible"/>
-                                      </p:to>
-                                    </p:set>
-                                  </p:childTnLst>
-                                </p:cTn>
-                              </p:par>
-                            </p:childTnLst>
-                          </p:cTn>
-                        </p:par>
-                      </p:childTnLst>
-                    </p:cTn>
-                  </p:par>
-                </p:childTnLst>
-              </p:cTn>
-              <p:prevCondLst>
-                <p:cond evt="onPrev" delay="0">
-                  <p:tgtEl>
-                    <p:sldTgt/>
-                  </p:tgtEl>
-                </p:cond>
-              </p:prevCondLst>
-              <p:nextCondLst>
-                <p:cond evt="onNext" delay="0">
-                  <p:tgtEl>
-                    <p:sldTgt/>
-                  </p:tgtEl>
-                </p:cond>
-              </p:nextCondLst>
-            </p:seq>
-          </p:childTnLst>
-        </p:cTn>
-      </p:par>
-    </p:tnLst>
-    <p:bldLst>
-      <p:bldP spid="21" grpId="0" uiExpand="1" build="p"/>
-    </p:bldLst>
-  </p:timing>
 </p:sld>
 </file>
 
@@ -13454,14 +12565,14 @@
           <a:p>
             <a:r>
               <a:rPr lang="en-US" sz="3000" dirty="0"/>
-              <a:t>Examples: What determines the </a:t>
+              <a:t>Examples: What is the </a:t>
             </a:r>
             <a:br>
               <a:rPr lang="en-US" sz="3000" dirty="0"/>
             </a:br>
             <a:r>
               <a:rPr lang="en-US" sz="3000" dirty="0"/>
-              <a:t>Search Tree Size?</a:t>
+              <a:t>Search Complexity?</a:t>
             </a:r>
           </a:p>
         </p:txBody>
@@ -13653,7 +12764,7 @@
             <p:spPr>
               <a:xfrm>
                 <a:off x="879387" y="4329545"/>
-                <a:ext cx="1702373" cy="1538883"/>
+                <a:ext cx="1702373" cy="2062103"/>
               </a:xfrm>
               <a:prstGeom prst="rect">
                 <a:avLst/>
@@ -13701,52 +12812,6 @@
                     <a:spcPts val="600"/>
                   </a:spcBef>
                 </a:pPr>
-                <a14:m>
-                  <m:oMath xmlns:m="http://schemas.openxmlformats.org/officeDocument/2006/math">
-                    <m:r>
-                      <a:rPr lang="en-US" sz="1200" b="0" i="1" smtClean="0">
-                        <a:latin typeface="Cambria Math" panose="02040503050406030204" pitchFamily="18" charset="0"/>
-                      </a:rPr>
-                      <m:t>𝑚</m:t>
-                    </m:r>
-                    <m:r>
-                      <a:rPr lang="en-US" sz="1200" b="0" i="1" smtClean="0">
-                        <a:latin typeface="Cambria Math" panose="02040503050406030204" pitchFamily="18" charset="0"/>
-                      </a:rPr>
-                      <m:t>=</m:t>
-                    </m:r>
-                  </m:oMath>
-                </a14:m>
-                <a:r>
-                  <a:rPr lang="en-US" sz="1200" b="0" dirty="0"/>
-                  <a:t> longest path to the goal or a dead end (bounded by </a:t>
-                </a:r>
-                <a14:m>
-                  <m:oMath xmlns:m="http://schemas.openxmlformats.org/officeDocument/2006/math">
-                    <m:r>
-                      <a:rPr lang="en-US" sz="1200" b="0" i="1" dirty="0" smtClean="0">
-                        <a:latin typeface="Cambria Math" panose="02040503050406030204" pitchFamily="18" charset="0"/>
-                      </a:rPr>
-                      <m:t>𝑥</m:t>
-                    </m:r>
-                    <m:r>
-                      <a:rPr lang="en-US" sz="1200" b="0" i="1" dirty="0" smtClean="0">
-                        <a:latin typeface="Cambria Math" panose="02040503050406030204" pitchFamily="18" charset="0"/>
-                      </a:rPr>
-                      <m:t>×</m:t>
-                    </m:r>
-                    <m:r>
-                      <a:rPr lang="en-US" sz="1200" b="0" i="1" dirty="0" smtClean="0">
-                        <a:latin typeface="Cambria Math" panose="02040503050406030204" pitchFamily="18" charset="0"/>
-                      </a:rPr>
-                      <m:t>𝑦</m:t>
-                    </m:r>
-                  </m:oMath>
-                </a14:m>
-                <a:r>
-                  <a:rPr lang="en-US" sz="1200" b="0" dirty="0"/>
-                  <a:t>)</a:t>
-                </a:r>
                 <a:endParaRPr lang="en-US" sz="1200" b="0" i="1" dirty="0">
                   <a:latin typeface="Cambria Math" panose="02040503050406030204" pitchFamily="18" charset="0"/>
                 </a:endParaRPr>
@@ -13763,46 +12828,113 @@
                       <a:rPr lang="en-US" sz="1200" b="0" i="1" smtClean="0">
                         <a:latin typeface="Cambria Math" panose="02040503050406030204" pitchFamily="18" charset="0"/>
                       </a:rPr>
-                      <m:t>𝑑</m:t>
+                      <m:t>𝑚</m:t>
                     </m:r>
                     <m:r>
                       <a:rPr lang="en-US" sz="1200" b="0" i="1" smtClean="0">
                         <a:latin typeface="Cambria Math" panose="02040503050406030204" pitchFamily="18" charset="0"/>
                       </a:rPr>
-                      <m:t> =</m:t>
+                      <m:t>≤</m:t>
+                    </m:r>
+                    <m:d>
+                      <m:dPr>
+                        <m:begChr m:val="|"/>
+                        <m:endChr m:val="|"/>
+                        <m:ctrlPr>
+                          <a:rPr lang="en-US" sz="1200" b="0" i="1" smtClean="0">
+                            <a:latin typeface="Cambria Math" panose="02040503050406030204" pitchFamily="18" charset="0"/>
+                          </a:rPr>
+                        </m:ctrlPr>
+                      </m:dPr>
+                      <m:e>
+                        <m:r>
+                          <a:rPr lang="en-US" sz="1200" b="0" i="1" smtClean="0">
+                            <a:latin typeface="Cambria Math" panose="02040503050406030204" pitchFamily="18" charset="0"/>
+                          </a:rPr>
+                          <m:t>𝑥</m:t>
+                        </m:r>
+                      </m:e>
+                    </m:d>
+                    <m:r>
+                      <a:rPr lang="en-US" sz="1200" b="0" i="1" smtClean="0">
+                        <a:latin typeface="Cambria Math" panose="02040503050406030204" pitchFamily="18" charset="0"/>
+                      </a:rPr>
+                      <m:t>×|</m:t>
+                    </m:r>
+                    <m:r>
+                      <a:rPr lang="en-US" sz="1200" b="0" i="1" smtClean="0">
+                        <a:latin typeface="Cambria Math" panose="02040503050406030204" pitchFamily="18" charset="0"/>
+                      </a:rPr>
+                      <m:t>𝑦</m:t>
+                    </m:r>
+                    <m:r>
+                      <a:rPr lang="en-US" sz="1200" b="0" i="1" smtClean="0">
+                        <a:latin typeface="Cambria Math" panose="02040503050406030204" pitchFamily="18" charset="0"/>
+                      </a:rPr>
+                      <m:t>|</m:t>
                     </m:r>
                   </m:oMath>
                 </a14:m>
                 <a:r>
-                  <a:rPr lang="en-US" sz="1200" dirty="0"/>
-                  <a:t> shortest path to the goal (bounded by </a:t>
+                  <a:rPr lang="en-US" sz="1200" b="0" dirty="0"/>
+                  <a:t> </a:t>
                 </a:r>
+              </a:p>
+              <a:p>
+                <a:pPr indent="-457200">
+                  <a:spcBef>
+                    <a:spcPts val="600"/>
+                  </a:spcBef>
+                </a:pPr>
+                <a:r>
+                  <a:rPr lang="en-US" sz="1200" b="0" dirty="0"/>
+                  <a:t>(the longest path to the goal or a dead end is bounded by the state space size.)</a:t>
+                </a:r>
+              </a:p>
+              <a:p>
+                <a:pPr indent="-457200">
+                  <a:spcBef>
+                    <a:spcPts val="600"/>
+                  </a:spcBef>
+                </a:pPr>
+                <a:endParaRPr lang="en-US" sz="1200" b="0" i="1" dirty="0">
+                  <a:latin typeface="Cambria Math" panose="02040503050406030204" pitchFamily="18" charset="0"/>
+                </a:endParaRPr>
+              </a:p>
+              <a:p>
+                <a:pPr indent="-457200">
+                  <a:spcBef>
+                    <a:spcPts val="600"/>
+                  </a:spcBef>
+                </a:pPr>
                 <a14:m>
-                  <m:oMath xmlns:m="http://schemas.openxmlformats.org/officeDocument/2006/math">
-                    <m:r>
-                      <a:rPr lang="en-US" sz="1200" i="1" dirty="0">
-                        <a:latin typeface="Cambria Math" panose="02040503050406030204" pitchFamily="18" charset="0"/>
-                      </a:rPr>
-                      <m:t>𝑥</m:t>
-                    </m:r>
-                    <m:r>
-                      <a:rPr lang="en-US" sz="1200" i="1" dirty="0">
-                        <a:latin typeface="Cambria Math" panose="02040503050406030204" pitchFamily="18" charset="0"/>
-                      </a:rPr>
-                      <m:t>×</m:t>
-                    </m:r>
-                    <m:r>
-                      <a:rPr lang="en-US" sz="1200" i="1" dirty="0">
-                        <a:latin typeface="Cambria Math" panose="02040503050406030204" pitchFamily="18" charset="0"/>
-                      </a:rPr>
-                      <m:t>𝑦</m:t>
-                    </m:r>
-                  </m:oMath>
+                  <m:oMathPara xmlns:m="http://schemas.openxmlformats.org/officeDocument/2006/math">
+                    <m:oMathParaPr>
+                      <m:jc m:val="left"/>
+                    </m:oMathParaPr>
+                    <m:oMath xmlns:m="http://schemas.openxmlformats.org/officeDocument/2006/math">
+                      <m:r>
+                        <a:rPr lang="en-US" sz="1200" b="0" i="1" smtClean="0">
+                          <a:latin typeface="Cambria Math" panose="02040503050406030204" pitchFamily="18" charset="0"/>
+                        </a:rPr>
+                        <m:t>𝑑</m:t>
+                      </m:r>
+                      <m:r>
+                        <a:rPr lang="en-US" sz="1200" b="0" i="1" smtClean="0">
+                          <a:latin typeface="Cambria Math" panose="02040503050406030204" pitchFamily="18" charset="0"/>
+                        </a:rPr>
+                        <m:t>≤</m:t>
+                      </m:r>
+                      <m:r>
+                        <a:rPr lang="en-US" sz="1200" b="0" i="1" smtClean="0">
+                          <a:latin typeface="Cambria Math" panose="02040503050406030204" pitchFamily="18" charset="0"/>
+                        </a:rPr>
+                        <m:t>𝑚</m:t>
+                      </m:r>
+                    </m:oMath>
+                  </m:oMathPara>
                 </a14:m>
-                <a:r>
-                  <a:rPr lang="en-US" sz="1200" dirty="0"/>
-                  <a:t>)</a:t>
-                </a:r>
+                <a:endParaRPr lang="en-US" sz="1200" dirty="0"/>
               </a:p>
             </p:txBody>
           </p:sp>
@@ -13825,7 +12957,7 @@
             <p:spPr>
               <a:xfrm>
                 <a:off x="879387" y="4329545"/>
-                <a:ext cx="1702373" cy="1538883"/>
+                <a:ext cx="1702373" cy="2062103"/>
               </a:xfrm>
               <a:prstGeom prst="rect">
                 <a:avLst/>
@@ -13833,7 +12965,7 @@
               <a:blipFill>
                 <a:blip r:embed="rId7"/>
                 <a:stretch>
-                  <a:fillRect r="-714" b="-1976"/>
+                  <a:fillRect/>
                 </a:stretch>
               </a:blipFill>
             </p:spPr>
@@ -14037,7 +13169,7 @@
             <p:spPr>
               <a:xfrm>
                 <a:off x="2779407" y="4329544"/>
-                <a:ext cx="1702373" cy="1577611"/>
+                <a:ext cx="1702373" cy="1900777"/>
               </a:xfrm>
               <a:prstGeom prst="rect">
                 <a:avLst/>
@@ -14049,6 +13181,17 @@
                 <a:spAutoFit/>
               </a:bodyPr>
               <a:lstStyle/>
+              <a:p>
+                <a:pPr indent="-457200">
+                  <a:spcBef>
+                    <a:spcPts val="600"/>
+                  </a:spcBef>
+                </a:pPr>
+                <a:r>
+                  <a:rPr lang="en-US" sz="1200" dirty="0"/>
+                  <a:t>Action: Move one queen at a time:</a:t>
+                </a:r>
+              </a:p>
               <a:p>
                 <a:pPr indent="-457200">
                   <a:spcBef>
@@ -14072,22 +13215,46 @@
                   </m:oMath>
                 </a14:m>
                 <a:r>
-                  <a:rPr lang="en-US" sz="1200" b="0" i="1" dirty="0">
-                    <a:latin typeface="Cambria Math" panose="02040503050406030204" pitchFamily="18" charset="0"/>
-                  </a:rPr>
+                  <a:rPr lang="en-US" sz="1200" dirty="0"/>
                   <a:t> </a:t>
-                </a:r>
-                <a:r>
-                  <a:rPr lang="en-US" sz="1200" dirty="0"/>
-                  <a:t>? What are the actions? Moving one Queen: </a:t>
                 </a:r>
                 <a14:m>
                   <m:oMath xmlns:m="http://schemas.openxmlformats.org/officeDocument/2006/math">
                     <m:r>
+                      <a:rPr lang="en-US" sz="1100" b="0" i="0" dirty="0" smtClean="0">
+                        <a:latin typeface="Cambria Math" panose="02040503050406030204" pitchFamily="18" charset="0"/>
+                      </a:rPr>
+                      <m:t>8</m:t>
+                    </m:r>
+                    <m:r>
+                      <a:rPr lang="en-US" sz="1100" b="0" i="1" dirty="0" smtClean="0">
+                        <a:latin typeface="Cambria Math" panose="02040503050406030204" pitchFamily="18" charset="0"/>
+                      </a:rPr>
+                      <m:t>×(</m:t>
+                    </m:r>
+                    <m:r>
                       <a:rPr lang="en-US" sz="1100" i="1" dirty="0" smtClean="0">
                         <a:latin typeface="Cambria Math" panose="02040503050406030204" pitchFamily="18" charset="0"/>
                       </a:rPr>
-                      <m:t>64−7=57</m:t>
+                      <m:t>64−</m:t>
+                    </m:r>
+                    <m:r>
+                      <a:rPr lang="en-US" sz="1100" b="0" i="1" dirty="0" smtClean="0">
+                        <a:latin typeface="Cambria Math" panose="02040503050406030204" pitchFamily="18" charset="0"/>
+                      </a:rPr>
+                      <m:t>8)</m:t>
+                    </m:r>
+                    <m:r>
+                      <a:rPr lang="en-US" sz="1100" i="1" dirty="0" smtClean="0">
+                        <a:latin typeface="Cambria Math" panose="02040503050406030204" pitchFamily="18" charset="0"/>
+                      </a:rPr>
+                      <m:t>=</m:t>
+                    </m:r>
+                    <m:r>
+                      <a:rPr lang="en-US" sz="1100" b="0" i="1" dirty="0" smtClean="0">
+                        <a:latin typeface="Cambria Math" panose="02040503050406030204" pitchFamily="18" charset="0"/>
+                      </a:rPr>
+                      <m:t>448</m:t>
                     </m:r>
                   </m:oMath>
                 </a14:m>
@@ -14115,14 +13282,6 @@
                       </a:rPr>
                       <m:t>=</m:t>
                     </m:r>
-                  </m:oMath>
-                </a14:m>
-                <a:r>
-                  <a:rPr lang="en-US" sz="1200" b="0" dirty="0"/>
-                  <a:t> We may have to try all: </a:t>
-                </a:r>
-                <a14:m>
-                  <m:oMath xmlns:m="http://schemas.openxmlformats.org/officeDocument/2006/math">
                     <m:d>
                       <m:dPr>
                         <m:ctrlPr>
@@ -14193,9 +13352,16 @@
                     </m:sSup>
                   </m:oMath>
                 </a14:m>
-                <a:endParaRPr lang="en-US" sz="1200" b="0" i="1" dirty="0">
-                  <a:latin typeface="Cambria Math" panose="02040503050406030204" pitchFamily="18" charset="0"/>
-                </a:endParaRPr>
+                <a:r>
+                  <a:rPr lang="en-US" sz="1200" b="0" i="1" dirty="0">
+                    <a:latin typeface="Cambria Math" panose="02040503050406030204" pitchFamily="18" charset="0"/>
+                  </a:rPr>
+                  <a:t> </a:t>
+                </a:r>
+                <a:r>
+                  <a:rPr lang="en-US" sz="1200" dirty="0"/>
+                  <a:t>(we may have to try all states)</a:t>
+                </a:r>
               </a:p>
               <a:p>
                 <a:pPr indent="-457200">
@@ -14215,13 +13381,13 @@
                       <a:rPr lang="en-US" sz="1200" b="0" i="1" smtClean="0">
                         <a:latin typeface="Cambria Math" panose="02040503050406030204" pitchFamily="18" charset="0"/>
                       </a:rPr>
-                      <m:t> =</m:t>
+                      <m:t> =8</m:t>
                     </m:r>
                   </m:oMath>
                 </a14:m>
                 <a:r>
                   <a:rPr lang="en-US" sz="1200" dirty="0"/>
-                  <a:t> move each queen in the right spot = 8</a:t>
+                  <a:t> (move each queen to the right spot) </a:t>
                 </a:r>
               </a:p>
             </p:txBody>
@@ -14245,7 +13411,7 @@
             <p:spPr>
               <a:xfrm>
                 <a:off x="2779407" y="4329544"/>
-                <a:ext cx="1702373" cy="1577611"/>
+                <a:ext cx="1702373" cy="1900777"/>
               </a:xfrm>
               <a:prstGeom prst="rect">
                 <a:avLst/>
@@ -14253,7 +13419,7 @@
               <a:blipFill>
                 <a:blip r:embed="rId9"/>
                 <a:stretch>
-                  <a:fillRect l="-358" b="-2317"/>
+                  <a:fillRect l="-358"/>
                 </a:stretch>
               </a:blipFill>
             </p:spPr>
@@ -14289,7 +13455,7 @@
             <p:spPr>
               <a:xfrm>
                 <a:off x="4589862" y="4304606"/>
-                <a:ext cx="1702373" cy="984885"/>
+                <a:ext cx="1702373" cy="1249894"/>
               </a:xfrm>
               <a:prstGeom prst="rect">
                 <a:avLst/>
@@ -14346,33 +13512,49 @@
                       <m:t>𝑚</m:t>
                     </m:r>
                     <m:r>
-                      <a:rPr lang="en-US" sz="1200" b="0" i="1" smtClean="0">
+                      <a:rPr lang="en-US" sz="1200" i="1">
                         <a:latin typeface="Cambria Math" panose="02040503050406030204" pitchFamily="18" charset="0"/>
                       </a:rPr>
-                      <m:t>=</m:t>
+                      <m:t>≤</m:t>
                     </m:r>
+                    <m:f>
+                      <m:fPr>
+                        <m:ctrlPr>
+                          <a:rPr lang="en-US" sz="1200" b="0" i="1" smtClean="0">
+                            <a:latin typeface="Cambria Math" panose="02040503050406030204" pitchFamily="18" charset="0"/>
+                          </a:rPr>
+                        </m:ctrlPr>
+                      </m:fPr>
+                      <m:num>
+                        <m:r>
+                          <a:rPr lang="en-US" sz="1200" b="0" i="1" smtClean="0">
+                            <a:latin typeface="Cambria Math" panose="02040503050406030204" pitchFamily="18" charset="0"/>
+                          </a:rPr>
+                          <m:t>9!</m:t>
+                        </m:r>
+                      </m:num>
+                      <m:den>
+                        <m:r>
+                          <a:rPr lang="en-US" sz="1200" b="0" i="1" smtClean="0">
+                            <a:latin typeface="Cambria Math" panose="02040503050406030204" pitchFamily="18" charset="0"/>
+                          </a:rPr>
+                          <m:t>2</m:t>
+                        </m:r>
+                      </m:den>
+                    </m:f>
                   </m:oMath>
                 </a14:m>
                 <a:r>
                   <a:rPr lang="en-US" sz="1200" b="0" dirty="0"/>
-                  <a:t> Try all </a:t>
+                  <a:t> (state space)</a:t>
                 </a:r>
-                <a14:m>
-                  <m:oMath xmlns:m="http://schemas.openxmlformats.org/officeDocument/2006/math">
-                    <m:r>
-                      <a:rPr lang="en-US" sz="1200" b="0" i="1" dirty="0" smtClean="0">
-                        <a:latin typeface="Cambria Math" panose="02040503050406030204" pitchFamily="18" charset="0"/>
-                      </a:rPr>
-                      <m:t>𝑂</m:t>
-                    </m:r>
-                    <m:r>
-                      <a:rPr lang="en-US" sz="1200" b="0" i="1" dirty="0" smtClean="0">
-                        <a:latin typeface="Cambria Math" panose="02040503050406030204" pitchFamily="18" charset="0"/>
-                      </a:rPr>
-                      <m:t>(9!) </m:t>
-                    </m:r>
-                  </m:oMath>
-                </a14:m>
+              </a:p>
+              <a:p>
+                <a:pPr indent="-457200">
+                  <a:spcBef>
+                    <a:spcPts val="600"/>
+                  </a:spcBef>
+                </a:pPr>
                 <a:endParaRPr lang="en-US" sz="1200" b="0" dirty="0"/>
               </a:p>
               <a:p>
@@ -14382,25 +13564,33 @@
                   </a:spcBef>
                 </a:pPr>
                 <a14:m>
-                  <m:oMath xmlns:m="http://schemas.openxmlformats.org/officeDocument/2006/math">
-                    <m:r>
-                      <a:rPr lang="en-US" sz="1200" b="0" i="1" smtClean="0">
-                        <a:latin typeface="Cambria Math" panose="02040503050406030204" pitchFamily="18" charset="0"/>
-                      </a:rPr>
-                      <m:t>𝑑</m:t>
-                    </m:r>
-                    <m:r>
-                      <a:rPr lang="en-US" sz="1200" b="0" i="1" smtClean="0">
-                        <a:latin typeface="Cambria Math" panose="02040503050406030204" pitchFamily="18" charset="0"/>
-                      </a:rPr>
-                      <m:t> =</m:t>
-                    </m:r>
-                  </m:oMath>
+                  <m:oMathPara xmlns:m="http://schemas.openxmlformats.org/officeDocument/2006/math">
+                    <m:oMathParaPr>
+                      <m:jc m:val="left"/>
+                    </m:oMathParaPr>
+                    <m:oMath xmlns:m="http://schemas.openxmlformats.org/officeDocument/2006/math">
+                      <m:r>
+                        <a:rPr lang="en-US" sz="1200" b="0" i="1" smtClean="0">
+                          <a:latin typeface="Cambria Math" panose="02040503050406030204" pitchFamily="18" charset="0"/>
+                        </a:rPr>
+                        <m:t>𝑑</m:t>
+                      </m:r>
+                      <m:r>
+                        <a:rPr lang="en-US" sz="1200" i="1">
+                          <a:latin typeface="Cambria Math" panose="02040503050406030204" pitchFamily="18" charset="0"/>
+                        </a:rPr>
+                        <m:t>≤</m:t>
+                      </m:r>
+                      <m:r>
+                        <a:rPr lang="en-US" sz="1200" i="1">
+                          <a:latin typeface="Cambria Math" panose="02040503050406030204" pitchFamily="18" charset="0"/>
+                        </a:rPr>
+                        <m:t>𝑚</m:t>
+                      </m:r>
+                    </m:oMath>
+                  </m:oMathPara>
                 </a14:m>
-                <a:r>
-                  <a:rPr lang="en-US" sz="1200" dirty="0"/>
-                  <a:t> ???</a:t>
-                </a:r>
+                <a:endParaRPr lang="en-US" sz="1200" dirty="0"/>
               </a:p>
             </p:txBody>
           </p:sp>
@@ -14423,7 +13613,7 @@
             <p:spPr>
               <a:xfrm>
                 <a:off x="4589862" y="4304606"/>
-                <a:ext cx="1702373" cy="984885"/>
+                <a:ext cx="1702373" cy="1249894"/>
               </a:xfrm>
               <a:prstGeom prst="rect">
                 <a:avLst/>
@@ -14431,7 +13621,7 @@
               <a:blipFill>
                 <a:blip r:embed="rId10"/>
                 <a:stretch>
-                  <a:fillRect l="-358" b="-3704"/>
+                  <a:fillRect l="-358"/>
                 </a:stretch>
               </a:blipFill>
             </p:spPr>
@@ -14467,7 +13657,7 @@
             <p:spPr>
               <a:xfrm>
                 <a:off x="6514017" y="4311533"/>
-                <a:ext cx="1702373" cy="1092607"/>
+                <a:ext cx="1702373" cy="1615827"/>
               </a:xfrm>
               <a:prstGeom prst="rect">
                 <a:avLst/>
@@ -14515,6 +13705,16 @@
                     <a:spcPts val="600"/>
                   </a:spcBef>
                 </a:pPr>
+                <a:endParaRPr lang="en-US" sz="1200" b="0" i="1" dirty="0">
+                  <a:latin typeface="Cambria Math" panose="02040503050406030204" pitchFamily="18" charset="0"/>
+                </a:endParaRPr>
+              </a:p>
+              <a:p>
+                <a:pPr indent="-457200">
+                  <a:spcBef>
+                    <a:spcPts val="600"/>
+                  </a:spcBef>
+                </a:pPr>
                 <a14:m>
                   <m:oMathPara xmlns:m="http://schemas.openxmlformats.org/officeDocument/2006/math">
                     <m:oMathParaPr>
@@ -14544,6 +13744,16 @@
                     <a:spcPts val="600"/>
                   </a:spcBef>
                 </a:pPr>
+                <a:endParaRPr lang="en-US" sz="1200" b="0" i="1" dirty="0">
+                  <a:latin typeface="Cambria Math" panose="02040503050406030204" pitchFamily="18" charset="0"/>
+                </a:endParaRPr>
+              </a:p>
+              <a:p>
+                <a:pPr indent="-457200">
+                  <a:spcBef>
+                    <a:spcPts val="600"/>
+                  </a:spcBef>
+                </a:pPr>
                 <a14:m>
                   <m:oMath xmlns:m="http://schemas.openxmlformats.org/officeDocument/2006/math">
                     <m:r>
@@ -14562,7 +13772,7 @@
                 </a14:m>
                 <a:r>
                   <a:rPr lang="en-US" sz="1200" dirty="0"/>
-                  <a:t> (if both play optimal)</a:t>
+                  <a:t> (both play optimal)</a:t>
                 </a:r>
               </a:p>
             </p:txBody>
@@ -14586,7 +13796,7 @@
             <p:spPr>
               <a:xfrm>
                 <a:off x="6514017" y="4311533"/>
-                <a:ext cx="1702373" cy="1092607"/>
+                <a:ext cx="1702373" cy="1615827"/>
               </a:xfrm>
               <a:prstGeom prst="rect">
                 <a:avLst/>
@@ -14594,7 +13804,7 @@
               <a:blipFill>
                 <a:blip r:embed="rId11"/>
                 <a:stretch>
-                  <a:fillRect l="-358" b="-3333"/>
+                  <a:fillRect l="-358" b="-2264"/>
                 </a:stretch>
               </a:blipFill>
             </p:spPr>
@@ -14616,7 +13826,7 @@
     </p:spTree>
     <p:extLst>
       <p:ext uri="{BB962C8B-B14F-4D97-AF65-F5344CB8AC3E}">
-        <p14:creationId xmlns:p14="http://schemas.microsoft.com/office/powerpoint/2010/main" val="23345734"/>
+        <p14:creationId xmlns:p14="http://schemas.microsoft.com/office/powerpoint/2010/main" val="391948262"/>
       </p:ext>
     </p:extLst>
   </p:cSld>
@@ -16102,7 +15312,7 @@
         </p:spPr>
         <p:txBody>
           <a:bodyPr>
-            <a:normAutofit fontScale="92500" lnSpcReduction="20000"/>
+            <a:normAutofit fontScale="85000" lnSpcReduction="10000"/>
           </a:bodyPr>
           <a:lstStyle/>
           <a:p>
@@ -16149,36 +15359,64 @@
                 </a:solidFill>
               </a:rPr>
             </a:br>
-            <a:br>
+            <a:endParaRPr lang="en-US" sz="2000" b="1" dirty="0">
+              <a:solidFill>
+                <a:srgbClr val="FF0000"/>
+              </a:solidFill>
+            </a:endParaRPr>
+          </a:p>
+          <a:p>
+            <a:r>
               <a:rPr lang="en-US" sz="2000" b="1" dirty="0">
                 <a:solidFill>
                   <a:srgbClr val="FF0000"/>
                 </a:solidFill>
               </a:rPr>
-            </a:br>
-            <a:r>
-              <a:rPr lang="en-US" sz="2000" b="1" dirty="0"/>
               <a:t>Cycle checking </a:t>
             </a:r>
             <a:r>
-              <a:rPr lang="en-US" sz="2000" dirty="0"/>
+              <a:rPr lang="en-US" sz="2000" dirty="0">
+                <a:solidFill>
+                  <a:srgbClr val="FF0000"/>
+                </a:solidFill>
+              </a:rPr>
               <a:t>checks only the current path. </a:t>
             </a:r>
             <a:br>
-              <a:rPr lang="en-US" sz="2000" dirty="0"/>
+              <a:rPr lang="en-US" sz="2000" dirty="0">
+                <a:solidFill>
+                  <a:srgbClr val="FF0000"/>
+                </a:solidFill>
+              </a:rPr>
             </a:br>
-            <a:br>
-              <a:rPr lang="en-US" sz="2000" dirty="0"/>
-            </a:br>
+            <a:endParaRPr lang="en-US" sz="2000" dirty="0">
+              <a:solidFill>
+                <a:srgbClr val="FF0000"/>
+              </a:solidFill>
+            </a:endParaRPr>
+          </a:p>
+          <a:p>
             <a:r>
-              <a:rPr lang="en-US" sz="2000" b="1" dirty="0"/>
+              <a:rPr lang="en-US" sz="2000" b="1" dirty="0">
+                <a:solidFill>
+                  <a:srgbClr val="FF0000"/>
+                </a:solidFill>
+              </a:rPr>
               <a:t>Redundant paths </a:t>
             </a:r>
             <a:r>
-              <a:rPr lang="en-US" sz="2000" dirty="0"/>
+              <a:rPr lang="en-US" sz="2000" dirty="0">
+                <a:solidFill>
+                  <a:srgbClr val="FF0000"/>
+                </a:solidFill>
+              </a:rPr>
               <a:t>can not be identified and lead to replicated work. </a:t>
             </a:r>
-            <a:endParaRPr lang="en-US" sz="2400" dirty="0"/>
+            <a:endParaRPr lang="en-US" sz="2400" dirty="0">
+              <a:solidFill>
+                <a:srgbClr val="FF0000"/>
+              </a:solidFill>
+            </a:endParaRPr>
           </a:p>
           <a:p>
             <a:endParaRPr lang="en-US" dirty="0"/>
@@ -16278,168 +15516,6 @@
   <p:clrMapOvr>
     <a:masterClrMapping/>
   </p:clrMapOvr>
-  <p:timing>
-    <p:tnLst>
-      <p:par>
-        <p:cTn id="1" dur="indefinite" restart="never" nodeType="tmRoot">
-          <p:childTnLst>
-            <p:seq concurrent="1" nextAc="seek">
-              <p:cTn id="2" dur="indefinite" nodeType="mainSeq">
-                <p:childTnLst>
-                  <p:par>
-                    <p:cTn id="3" fill="hold">
-                      <p:stCondLst>
-                        <p:cond delay="indefinite"/>
-                        <p:cond evt="onBegin" delay="0">
-                          <p:tn val="2"/>
-                        </p:cond>
-                      </p:stCondLst>
-                      <p:childTnLst>
-                        <p:par>
-                          <p:cTn id="4" fill="hold">
-                            <p:stCondLst>
-                              <p:cond delay="0"/>
-                            </p:stCondLst>
-                            <p:childTnLst>
-                              <p:par>
-                                <p:cTn id="5" presetID="1" presetClass="entr" presetSubtype="0" fill="hold" nodeType="withEffect">
-                                  <p:stCondLst>
-                                    <p:cond delay="0"/>
-                                  </p:stCondLst>
-                                  <p:childTnLst>
-                                    <p:set>
-                                      <p:cBhvr>
-                                        <p:cTn id="6" dur="1" fill="hold">
-                                          <p:stCondLst>
-                                            <p:cond delay="0"/>
-                                          </p:stCondLst>
-                                        </p:cTn>
-                                        <p:tgtEl>
-                                          <p:spTgt spid="3">
-                                            <p:txEl>
-                                              <p:pRg st="0" end="0"/>
-                                            </p:txEl>
-                                          </p:spTgt>
-                                        </p:tgtEl>
-                                        <p:attrNameLst>
-                                          <p:attrName>style.visibility</p:attrName>
-                                        </p:attrNameLst>
-                                      </p:cBhvr>
-                                      <p:to>
-                                        <p:strVal val="visible"/>
-                                      </p:to>
-                                    </p:set>
-                                  </p:childTnLst>
-                                </p:cTn>
-                              </p:par>
-                              <p:par>
-                                <p:cTn id="7" presetID="1" presetClass="entr" presetSubtype="0" fill="hold" nodeType="withEffect">
-                                  <p:stCondLst>
-                                    <p:cond delay="0"/>
-                                  </p:stCondLst>
-                                  <p:childTnLst>
-                                    <p:set>
-                                      <p:cBhvr>
-                                        <p:cTn id="8" dur="1" fill="hold">
-                                          <p:stCondLst>
-                                            <p:cond delay="0"/>
-                                          </p:stCondLst>
-                                        </p:cTn>
-                                        <p:tgtEl>
-                                          <p:spTgt spid="3">
-                                            <p:txEl>
-                                              <p:pRg st="1" end="1"/>
-                                            </p:txEl>
-                                          </p:spTgt>
-                                        </p:tgtEl>
-                                        <p:attrNameLst>
-                                          <p:attrName>style.visibility</p:attrName>
-                                        </p:attrNameLst>
-                                      </p:cBhvr>
-                                      <p:to>
-                                        <p:strVal val="visible"/>
-                                      </p:to>
-                                    </p:set>
-                                  </p:childTnLst>
-                                </p:cTn>
-                              </p:par>
-                            </p:childTnLst>
-                          </p:cTn>
-                        </p:par>
-                      </p:childTnLst>
-                    </p:cTn>
-                  </p:par>
-                  <p:par>
-                    <p:cTn id="9" fill="hold">
-                      <p:stCondLst>
-                        <p:cond delay="indefinite"/>
-                      </p:stCondLst>
-                      <p:childTnLst>
-                        <p:par>
-                          <p:cTn id="10" fill="hold">
-                            <p:stCondLst>
-                              <p:cond delay="0"/>
-                            </p:stCondLst>
-                            <p:childTnLst>
-                              <p:par>
-                                <p:cTn id="11" presetID="1" presetClass="entr" presetSubtype="0" fill="hold" nodeType="clickEffect">
-                                  <p:stCondLst>
-                                    <p:cond delay="0"/>
-                                  </p:stCondLst>
-                                  <p:childTnLst>
-                                    <p:set>
-                                      <p:cBhvr>
-                                        <p:cTn id="12" dur="1" fill="hold">
-                                          <p:stCondLst>
-                                            <p:cond delay="0"/>
-                                          </p:stCondLst>
-                                        </p:cTn>
-                                        <p:tgtEl>
-                                          <p:spTgt spid="3">
-                                            <p:txEl>
-                                              <p:pRg st="2" end="2"/>
-                                            </p:txEl>
-                                          </p:spTgt>
-                                        </p:tgtEl>
-                                        <p:attrNameLst>
-                                          <p:attrName>style.visibility</p:attrName>
-                                        </p:attrNameLst>
-                                      </p:cBhvr>
-                                      <p:to>
-                                        <p:strVal val="visible"/>
-                                      </p:to>
-                                    </p:set>
-                                  </p:childTnLst>
-                                </p:cTn>
-                              </p:par>
-                            </p:childTnLst>
-                          </p:cTn>
-                        </p:par>
-                      </p:childTnLst>
-                    </p:cTn>
-                  </p:par>
-                </p:childTnLst>
-              </p:cTn>
-              <p:prevCondLst>
-                <p:cond evt="onPrev" delay="0">
-                  <p:tgtEl>
-                    <p:sldTgt/>
-                  </p:tgtEl>
-                </p:cond>
-              </p:prevCondLst>
-              <p:nextCondLst>
-                <p:cond evt="onNext" delay="0">
-                  <p:tgtEl>
-                    <p:sldTgt/>
-                  </p:tgtEl>
-                </p:cond>
-              </p:nextCondLst>
-            </p:seq>
-          </p:childTnLst>
-        </p:cTn>
-      </p:par>
-    </p:tnLst>
-  </p:timing>
 </p:sld>
 </file>
 
@@ -20895,6 +19971,17 @@
               <a:t>Introduction</a:t>
             </a:r>
           </a:p>
+          <a:p>
+            <a:r>
+              <a:rPr lang="en-US" dirty="0"/>
+              <a:t>How to implement a tree data structure </a:t>
+            </a:r>
+            <a:r>
+              <a:rPr lang="en-US"/>
+              <a:t>in Python</a:t>
+            </a:r>
+            <a:endParaRPr lang="en-US" dirty="0"/>
+          </a:p>
         </p:txBody>
       </p:sp>
     </p:spTree>
@@ -23897,8 +22984,8 @@
           </a:p>
         </p:txBody>
       </p:sp>
-      <mc:AlternateContent xmlns:mc="http://schemas.openxmlformats.org/markup-compatibility/2006" xmlns:a14="http://schemas.microsoft.com/office/drawing/2010/main">
-        <mc:Choice Requires="a14">
+      <mc:AlternateContent xmlns:mc="http://schemas.openxmlformats.org/markup-compatibility/2006">
+        <mc:Choice xmlns:a14="http://schemas.microsoft.com/office/drawing/2010/main" Requires="a14">
           <p:sp>
             <p:nvSpPr>
               <p:cNvPr id="3" name="Content Placeholder 2">
@@ -24009,7 +23096,14 @@
                 </a:r>
                 <a:r>
                   <a:rPr lang="en-US" dirty="0"/>
-                  <a:t> (never overestimate the cost)</a:t>
+                  <a:t> </a:t>
+                </a:r>
+                <a:br>
+                  <a:rPr lang="en-US" dirty="0"/>
+                </a:br>
+                <a:r>
+                  <a:rPr lang="en-US" dirty="0"/>
+                  <a:t>(=never overestimate the true cost to the goal)</a:t>
                 </a:r>
               </a:p>
               <a:p>
@@ -24018,16 +23112,13 @@
               <a:p>
                 <a:r>
                   <a:rPr lang="en-US" dirty="0"/>
-                  <a:t>Search algorithms will expand nodes with better heuristic values/estimated total cost first.</a:t>
+                  <a:t>Search algorithms use the heuristic to expand nodes with better heuristic values/estimated total cost first.</a:t>
                 </a:r>
-              </a:p>
-              <a:p>
-                <a:endParaRPr lang="en-US" dirty="0"/>
               </a:p>
             </p:txBody>
           </p:sp>
         </mc:Choice>
-        <mc:Fallback xmlns="">
+        <mc:Fallback>
           <p:sp>
             <p:nvSpPr>
               <p:cNvPr id="3" name="Content Placeholder 2">
@@ -24048,7 +23139,7 @@
               <a:blipFill>
                 <a:blip r:embed="rId2"/>
                 <a:stretch>
-                  <a:fillRect l="-773" t="-1541"/>
+                  <a:fillRect l="-773" t="-1541" b="-700"/>
                 </a:stretch>
               </a:blipFill>
             </p:spPr>
@@ -26286,84 +25377,6 @@
   <p:clrMapOvr>
     <a:masterClrMapping/>
   </p:clrMapOvr>
-  <p:timing>
-    <p:tnLst>
-      <p:par>
-        <p:cTn id="1" dur="indefinite" restart="never" nodeType="tmRoot">
-          <p:childTnLst>
-            <p:seq concurrent="1" nextAc="seek">
-              <p:cTn id="2" dur="indefinite" nodeType="mainSeq">
-                <p:childTnLst>
-                  <p:par>
-                    <p:cTn id="3" fill="hold">
-                      <p:stCondLst>
-                        <p:cond delay="indefinite"/>
-                      </p:stCondLst>
-                      <p:childTnLst>
-                        <p:par>
-                          <p:cTn id="4" fill="hold">
-                            <p:stCondLst>
-                              <p:cond delay="0"/>
-                            </p:stCondLst>
-                            <p:childTnLst>
-                              <p:par>
-                                <p:cTn id="5" presetID="1" presetClass="entr" presetSubtype="0" fill="hold" grpId="0" nodeType="clickEffect">
-                                  <p:stCondLst>
-                                    <p:cond delay="0"/>
-                                  </p:stCondLst>
-                                  <p:childTnLst>
-                                    <p:set>
-                                      <p:cBhvr>
-                                        <p:cTn id="6" dur="1" fill="hold">
-                                          <p:stCondLst>
-                                            <p:cond delay="0"/>
-                                          </p:stCondLst>
-                                        </p:cTn>
-                                        <p:tgtEl>
-                                          <p:spTgt spid="21"/>
-                                        </p:tgtEl>
-                                        <p:attrNameLst>
-                                          <p:attrName>style.visibility</p:attrName>
-                                        </p:attrNameLst>
-                                      </p:cBhvr>
-                                      <p:to>
-                                        <p:strVal val="visible"/>
-                                      </p:to>
-                                    </p:set>
-                                  </p:childTnLst>
-                                </p:cTn>
-                              </p:par>
-                            </p:childTnLst>
-                          </p:cTn>
-                        </p:par>
-                      </p:childTnLst>
-                    </p:cTn>
-                  </p:par>
-                </p:childTnLst>
-              </p:cTn>
-              <p:prevCondLst>
-                <p:cond evt="onPrev" delay="0">
-                  <p:tgtEl>
-                    <p:sldTgt/>
-                  </p:tgtEl>
-                </p:cond>
-              </p:prevCondLst>
-              <p:nextCondLst>
-                <p:cond evt="onNext" delay="0">
-                  <p:tgtEl>
-                    <p:sldTgt/>
-                  </p:tgtEl>
-                </p:cond>
-              </p:nextCondLst>
-            </p:seq>
-          </p:childTnLst>
-        </p:cTn>
-      </p:par>
-    </p:tnLst>
-    <p:bldLst>
-      <p:bldP spid="21" grpId="0"/>
-    </p:bldLst>
-  </p:timing>
 </p:sld>
 </file>
 
@@ -27042,658 +26055,6 @@
 </file>
 
 <file path=ppt/slides/slide30.xml><?xml version="1.0" encoding="utf-8"?>
-<p:sld xmlns:a="http://schemas.openxmlformats.org/drawingml/2006/main" xmlns:r="http://schemas.openxmlformats.org/officeDocument/2006/relationships" xmlns:p="http://schemas.openxmlformats.org/presentationml/2006/main" show="0">
-  <p:cSld>
-    <p:spTree>
-      <p:nvGrpSpPr>
-        <p:cNvPr id="1" name=""/>
-        <p:cNvGrpSpPr/>
-        <p:nvPr/>
-      </p:nvGrpSpPr>
-      <p:grpSpPr>
-        <a:xfrm>
-          <a:off x="0" y="0"/>
-          <a:ext cx="0" cy="0"/>
-          <a:chOff x="0" y="0"/>
-          <a:chExt cx="0" cy="0"/>
-        </a:xfrm>
-      </p:grpSpPr>
-      <p:sp>
-        <p:nvSpPr>
-          <p:cNvPr id="22530" name="Rectangle 2"/>
-          <p:cNvSpPr>
-            <a:spLocks noGrp="1" noChangeArrowheads="1"/>
-          </p:cNvSpPr>
-          <p:nvPr>
-            <p:ph type="title"/>
-          </p:nvPr>
-        </p:nvSpPr>
-        <p:spPr/>
-        <p:txBody>
-          <a:bodyPr/>
-          <a:lstStyle/>
-          <a:p>
-            <a:r>
-              <a:rPr lang="en-US" dirty="0"/>
-              <a:t>A* Search Optimality: Admissible Heuristics</a:t>
-            </a:r>
-          </a:p>
-        </p:txBody>
-      </p:sp>
-      <mc:AlternateContent xmlns:mc="http://schemas.openxmlformats.org/markup-compatibility/2006" xmlns:a14="http://schemas.microsoft.com/office/drawing/2010/main">
-        <mc:Choice Requires="a14">
-          <p:sp>
-            <p:nvSpPr>
-              <p:cNvPr id="22531" name="Rectangle 3"/>
-              <p:cNvSpPr>
-                <a:spLocks noGrp="1" noChangeArrowheads="1"/>
-              </p:cNvSpPr>
-              <p:nvPr>
-                <p:ph idx="1"/>
-              </p:nvPr>
-            </p:nvSpPr>
-            <p:spPr/>
-            <p:txBody>
-              <a:bodyPr>
-                <a:normAutofit/>
-              </a:bodyPr>
-              <a:lstStyle/>
-              <a:p>
-                <a:pPr marL="0" indent="0">
-                  <a:buNone/>
-                </a:pPr>
-                <a:r>
-                  <a:rPr lang="en-US" sz="2400" b="1" dirty="0"/>
-                  <a:t>Definition: </a:t>
-                </a:r>
-                <a:r>
-                  <a:rPr lang="en-US" sz="2400" dirty="0"/>
-                  <a:t>A heuristic </a:t>
-                </a:r>
-                <a14:m>
-                  <m:oMath xmlns:m="http://schemas.openxmlformats.org/officeDocument/2006/math">
-                    <m:r>
-                      <a:rPr lang="en-US" sz="2400" b="0" i="1" dirty="0" smtClean="0">
-                        <a:latin typeface="Cambria Math" panose="02040503050406030204" pitchFamily="18" charset="0"/>
-                        <a:cs typeface="Arial" pitchFamily="34" charset="0"/>
-                      </a:rPr>
-                      <m:t>h</m:t>
-                    </m:r>
-                  </m:oMath>
-                </a14:m>
-                <a:r>
-                  <a:rPr lang="en-US" sz="2400" dirty="0"/>
-                  <a:t> is </a:t>
-                </a:r>
-                <a:r>
-                  <a:rPr lang="en-US" sz="2400" b="1" dirty="0">
-                    <a:solidFill>
-                      <a:srgbClr val="FF0000"/>
-                    </a:solidFill>
-                  </a:rPr>
-                  <a:t>admissible</a:t>
-                </a:r>
-                <a:r>
-                  <a:rPr lang="en-US" sz="2400" dirty="0"/>
-                  <a:t> if for every node </a:t>
-                </a:r>
-                <a14:m>
-                  <m:oMath xmlns:m="http://schemas.openxmlformats.org/officeDocument/2006/math">
-                    <m:r>
-                      <a:rPr lang="en-US" sz="2400" i="1" dirty="0" smtClean="0">
-                        <a:latin typeface="Cambria Math" panose="02040503050406030204" pitchFamily="18" charset="0"/>
-                      </a:rPr>
-                      <m:t>𝑛</m:t>
-                    </m:r>
-                  </m:oMath>
-                </a14:m>
-                <a:r>
-                  <a:rPr lang="en-US" sz="2400" dirty="0"/>
-                  <a:t>, </a:t>
-                </a:r>
-                <a14:m>
-                  <m:oMath xmlns:m="http://schemas.openxmlformats.org/officeDocument/2006/math">
-                    <m:r>
-                      <a:rPr lang="en-US" sz="2400" i="1" dirty="0" smtClean="0">
-                        <a:latin typeface="Cambria Math" panose="02040503050406030204" pitchFamily="18" charset="0"/>
-                      </a:rPr>
-                      <m:t>h</m:t>
-                    </m:r>
-                    <m:d>
-                      <m:dPr>
-                        <m:ctrlPr>
-                          <a:rPr lang="en-US" sz="2400" i="1" dirty="0" smtClean="0">
-                            <a:latin typeface="Cambria Math" panose="02040503050406030204" pitchFamily="18" charset="0"/>
-                          </a:rPr>
-                        </m:ctrlPr>
-                      </m:dPr>
-                      <m:e>
-                        <m:r>
-                          <a:rPr lang="en-US" sz="2400" i="1" dirty="0" smtClean="0">
-                            <a:latin typeface="Cambria Math" panose="02040503050406030204" pitchFamily="18" charset="0"/>
-                          </a:rPr>
-                          <m:t>𝑛</m:t>
-                        </m:r>
-                      </m:e>
-                    </m:d>
-                    <m:r>
-                      <a:rPr lang="en-US" sz="2400" i="1" dirty="0">
-                        <a:latin typeface="Cambria Math" panose="02040503050406030204" pitchFamily="18" charset="0"/>
-                        <a:cs typeface="Arial" pitchFamily="34" charset="0"/>
-                      </a:rPr>
-                      <m:t>≤</m:t>
-                    </m:r>
-                    <m:r>
-                      <a:rPr lang="en-US" sz="2400" i="1" dirty="0">
-                        <a:latin typeface="Cambria Math" panose="02040503050406030204" pitchFamily="18" charset="0"/>
-                      </a:rPr>
-                      <m:t> </m:t>
-                    </m:r>
-                    <m:sSup>
-                      <m:sSupPr>
-                        <m:ctrlPr>
-                          <a:rPr lang="en-US" sz="2400" b="0" i="1" dirty="0" smtClean="0">
-                            <a:latin typeface="Cambria Math" panose="02040503050406030204" pitchFamily="18" charset="0"/>
-                            <a:cs typeface="Arial" pitchFamily="34" charset="0"/>
-                          </a:rPr>
-                        </m:ctrlPr>
-                      </m:sSupPr>
-                      <m:e>
-                        <m:r>
-                          <a:rPr lang="en-US" sz="2400" i="1" dirty="0">
-                            <a:latin typeface="Cambria Math" panose="02040503050406030204" pitchFamily="18" charset="0"/>
-                          </a:rPr>
-                          <m:t>h</m:t>
-                        </m:r>
-                      </m:e>
-                      <m:sup>
-                        <m:r>
-                          <a:rPr lang="en-US" sz="2400" b="0" i="1" dirty="0" smtClean="0">
-                            <a:latin typeface="Cambria Math" panose="02040503050406030204" pitchFamily="18" charset="0"/>
-                          </a:rPr>
-                          <m:t>∗</m:t>
-                        </m:r>
-                      </m:sup>
-                    </m:sSup>
-                    <m:r>
-                      <a:rPr lang="en-US" sz="2400" i="1" dirty="0">
-                        <a:latin typeface="Cambria Math" panose="02040503050406030204" pitchFamily="18" charset="0"/>
-                      </a:rPr>
-                      <m:t>(</m:t>
-                    </m:r>
-                    <m:r>
-                      <a:rPr lang="en-US" sz="2400" i="1" dirty="0">
-                        <a:latin typeface="Cambria Math" panose="02040503050406030204" pitchFamily="18" charset="0"/>
-                      </a:rPr>
-                      <m:t>𝑛</m:t>
-                    </m:r>
-                    <m:r>
-                      <a:rPr lang="en-US" sz="2400" i="1" dirty="0">
-                        <a:latin typeface="Cambria Math" panose="02040503050406030204" pitchFamily="18" charset="0"/>
-                      </a:rPr>
-                      <m:t>)</m:t>
-                    </m:r>
-                  </m:oMath>
-                </a14:m>
-                <a:r>
-                  <a:rPr lang="en-US" sz="2400" i="1" dirty="0"/>
-                  <a:t>, </a:t>
-                </a:r>
-                <a:r>
-                  <a:rPr lang="en-US" sz="2400" dirty="0"/>
-                  <a:t>where </a:t>
-                </a:r>
-                <a14:m>
-                  <m:oMath xmlns:m="http://schemas.openxmlformats.org/officeDocument/2006/math">
-                    <m:sSup>
-                      <m:sSupPr>
-                        <m:ctrlPr>
-                          <a:rPr lang="en-US" sz="2400" i="1" dirty="0">
-                            <a:latin typeface="Cambria Math" panose="02040503050406030204" pitchFamily="18" charset="0"/>
-                            <a:cs typeface="Arial" pitchFamily="34" charset="0"/>
-                          </a:rPr>
-                        </m:ctrlPr>
-                      </m:sSupPr>
-                      <m:e>
-                        <m:r>
-                          <a:rPr lang="en-US" sz="2400" i="1" dirty="0">
-                            <a:latin typeface="Cambria Math" panose="02040503050406030204" pitchFamily="18" charset="0"/>
-                          </a:rPr>
-                          <m:t>h</m:t>
-                        </m:r>
-                      </m:e>
-                      <m:sup>
-                        <m:r>
-                          <a:rPr lang="en-US" sz="2400" i="1" dirty="0">
-                            <a:latin typeface="Cambria Math" panose="02040503050406030204" pitchFamily="18" charset="0"/>
-                          </a:rPr>
-                          <m:t>∗</m:t>
-                        </m:r>
-                      </m:sup>
-                    </m:sSup>
-                    <m:r>
-                      <a:rPr lang="en-US" sz="2400" i="1" dirty="0">
-                        <a:latin typeface="Cambria Math" panose="02040503050406030204" pitchFamily="18" charset="0"/>
-                      </a:rPr>
-                      <m:t>(</m:t>
-                    </m:r>
-                    <m:r>
-                      <a:rPr lang="en-US" sz="2400" i="1" dirty="0">
-                        <a:latin typeface="Cambria Math" panose="02040503050406030204" pitchFamily="18" charset="0"/>
-                      </a:rPr>
-                      <m:t>𝑛</m:t>
-                    </m:r>
-                    <m:r>
-                      <a:rPr lang="en-US" sz="2400" i="1" dirty="0">
-                        <a:latin typeface="Cambria Math" panose="02040503050406030204" pitchFamily="18" charset="0"/>
-                      </a:rPr>
-                      <m:t>)</m:t>
-                    </m:r>
-                  </m:oMath>
-                </a14:m>
-                <a:r>
-                  <a:rPr lang="en-US" sz="2400" dirty="0"/>
-                  <a:t> is the true cost to reach the goal state from </a:t>
-                </a:r>
-                <a14:m>
-                  <m:oMath xmlns:m="http://schemas.openxmlformats.org/officeDocument/2006/math">
-                    <m:r>
-                      <a:rPr lang="en-US" sz="2400" i="1" dirty="0" smtClean="0">
-                        <a:latin typeface="Cambria Math" panose="02040503050406030204" pitchFamily="18" charset="0"/>
-                      </a:rPr>
-                      <m:t>𝑛</m:t>
-                    </m:r>
-                  </m:oMath>
-                </a14:m>
-                <a:r>
-                  <a:rPr lang="en-US" sz="2400" i="1" dirty="0"/>
-                  <a:t>.</a:t>
-                </a:r>
-                <a:endParaRPr lang="en-US" sz="2400" dirty="0"/>
-              </a:p>
-              <a:p>
-                <a:pPr marL="0" indent="0">
-                  <a:buNone/>
-                </a:pPr>
-                <a:r>
-                  <a:rPr lang="en-US" sz="2400" dirty="0"/>
-                  <a:t>I.e., an admissible heuristic is a </a:t>
-                </a:r>
-                <a:r>
-                  <a:rPr lang="en-US" sz="2400" b="1" dirty="0">
-                    <a:solidFill>
-                      <a:srgbClr val="FF0000"/>
-                    </a:solidFill>
-                  </a:rPr>
-                  <a:t>lower bound</a:t>
-                </a:r>
-                <a:r>
-                  <a:rPr lang="en-US" sz="2400" dirty="0"/>
-                  <a:t> and never overestimates the true cost to reach the goal.</a:t>
-                </a:r>
-              </a:p>
-              <a:p>
-                <a:pPr marL="0" indent="0">
-                  <a:buNone/>
-                </a:pPr>
-                <a:endParaRPr lang="en-US" sz="2400" dirty="0"/>
-              </a:p>
-              <a:p>
-                <a:pPr marL="0" indent="0">
-                  <a:buNone/>
-                </a:pPr>
-                <a:r>
-                  <a:rPr lang="en-US" sz="2400" b="1" dirty="0"/>
-                  <a:t>Example</a:t>
-                </a:r>
-                <a:r>
-                  <a:rPr lang="en-US" sz="2400" dirty="0"/>
-                  <a:t>: Straight line distance never overestimates the actual road distance.</a:t>
-                </a:r>
-              </a:p>
-              <a:p>
-                <a:endParaRPr lang="en-US" sz="2400" b="1" dirty="0">
-                  <a:solidFill>
-                    <a:srgbClr val="CC0099"/>
-                  </a:solidFill>
-                </a:endParaRPr>
-              </a:p>
-              <a:p>
-                <a:pPr marL="0" indent="0">
-                  <a:buNone/>
-                </a:pPr>
-                <a:r>
-                  <a:rPr lang="en-US" sz="2400" b="1" dirty="0">
-                    <a:solidFill>
-                      <a:srgbClr val="FF0000"/>
-                    </a:solidFill>
-                  </a:rPr>
-                  <a:t>Theorem:</a:t>
-                </a:r>
-                <a:r>
-                  <a:rPr lang="en-US" sz="2400" dirty="0">
-                    <a:solidFill>
-                      <a:srgbClr val="FF0000"/>
-                    </a:solidFill>
-                  </a:rPr>
-                  <a:t> </a:t>
-                </a:r>
-                <a:r>
-                  <a:rPr lang="en-US" sz="2400" dirty="0"/>
-                  <a:t>If </a:t>
-                </a:r>
-                <a14:m>
-                  <m:oMath xmlns:m="http://schemas.openxmlformats.org/officeDocument/2006/math">
-                    <m:r>
-                      <a:rPr lang="en-US" sz="2400" i="1" dirty="0">
-                        <a:latin typeface="Cambria Math" panose="02040503050406030204" pitchFamily="18" charset="0"/>
-                        <a:cs typeface="Arial" pitchFamily="34" charset="0"/>
-                      </a:rPr>
-                      <m:t>h</m:t>
-                    </m:r>
-                  </m:oMath>
-                </a14:m>
-                <a:r>
-                  <a:rPr lang="en-US" sz="2400" i="1" dirty="0"/>
-                  <a:t> </a:t>
-                </a:r>
-                <a:r>
-                  <a:rPr lang="en-US" sz="2400" dirty="0"/>
-                  <a:t>is admissible, A</a:t>
-                </a:r>
-                <a:r>
-                  <a:rPr lang="en-US" sz="2400" baseline="30000" dirty="0"/>
-                  <a:t>*</a:t>
-                </a:r>
-                <a:r>
-                  <a:rPr lang="en-US" sz="2400" dirty="0"/>
-                  <a:t> is optimal.</a:t>
-                </a:r>
-              </a:p>
-              <a:p>
-                <a:pPr marL="0" indent="0">
-                  <a:buNone/>
-                </a:pPr>
-                <a:endParaRPr lang="en-US" sz="2400" dirty="0"/>
-              </a:p>
-            </p:txBody>
-          </p:sp>
-        </mc:Choice>
-        <mc:Fallback xmlns="">
-          <p:sp>
-            <p:nvSpPr>
-              <p:cNvPr id="22531" name="Rectangle 3"/>
-              <p:cNvSpPr>
-                <a:spLocks noGrp="1" noRot="1" noChangeAspect="1" noMove="1" noResize="1" noEditPoints="1" noAdjustHandles="1" noChangeArrowheads="1" noChangeShapeType="1" noTextEdit="1"/>
-              </p:cNvSpPr>
-              <p:nvPr>
-                <p:ph idx="1"/>
-              </p:nvPr>
-            </p:nvSpPr>
-            <p:spPr>
-              <a:blipFill>
-                <a:blip r:embed="rId3"/>
-                <a:stretch>
-                  <a:fillRect l="-1159" t="-1961" r="-1932"/>
-                </a:stretch>
-              </a:blipFill>
-            </p:spPr>
-            <p:txBody>
-              <a:bodyPr/>
-              <a:lstStyle/>
-              <a:p>
-                <a:r>
-                  <a:rPr lang="en-US">
-                    <a:noFill/>
-                  </a:rPr>
-                  <a:t> </a:t>
-                </a:r>
-              </a:p>
-            </p:txBody>
-          </p:sp>
-        </mc:Fallback>
-      </mc:AlternateContent>
-    </p:spTree>
-  </p:cSld>
-  <p:clrMapOvr>
-    <a:masterClrMapping/>
-  </p:clrMapOvr>
-  <p:timing>
-    <p:tnLst>
-      <p:par>
-        <p:cTn id="1" dur="indefinite" restart="never" nodeType="tmRoot">
-          <p:childTnLst>
-            <p:seq concurrent="1" nextAc="seek">
-              <p:cTn id="2" dur="indefinite" nodeType="mainSeq">
-                <p:childTnLst>
-                  <p:par>
-                    <p:cTn id="3" fill="hold">
-                      <p:stCondLst>
-                        <p:cond delay="indefinite"/>
-                        <p:cond evt="onBegin" delay="0">
-                          <p:tn val="2"/>
-                        </p:cond>
-                      </p:stCondLst>
-                      <p:childTnLst>
-                        <p:par>
-                          <p:cTn id="4" fill="hold">
-                            <p:stCondLst>
-                              <p:cond delay="0"/>
-                            </p:stCondLst>
-                            <p:childTnLst>
-                              <p:par>
-                                <p:cTn id="5" presetID="1" presetClass="entr" presetSubtype="0" fill="hold" grpId="0" nodeType="withEffect">
-                                  <p:stCondLst>
-                                    <p:cond delay="0"/>
-                                  </p:stCondLst>
-                                  <p:childTnLst>
-                                    <p:set>
-                                      <p:cBhvr>
-                                        <p:cTn id="6" dur="1" fill="hold">
-                                          <p:stCondLst>
-                                            <p:cond delay="0"/>
-                                          </p:stCondLst>
-                                        </p:cTn>
-                                        <p:tgtEl>
-                                          <p:spTgt spid="22531">
-                                            <p:txEl>
-                                              <p:pRg st="0" end="0"/>
-                                            </p:txEl>
-                                          </p:spTgt>
-                                        </p:tgtEl>
-                                        <p:attrNameLst>
-                                          <p:attrName>style.visibility</p:attrName>
-                                        </p:attrNameLst>
-                                      </p:cBhvr>
-                                      <p:to>
-                                        <p:strVal val="visible"/>
-                                      </p:to>
-                                    </p:set>
-                                  </p:childTnLst>
-                                </p:cTn>
-                              </p:par>
-                            </p:childTnLst>
-                          </p:cTn>
-                        </p:par>
-                      </p:childTnLst>
-                    </p:cTn>
-                  </p:par>
-                  <p:par>
-                    <p:cTn id="7" fill="hold">
-                      <p:stCondLst>
-                        <p:cond delay="indefinite"/>
-                      </p:stCondLst>
-                      <p:childTnLst>
-                        <p:par>
-                          <p:cTn id="8" fill="hold">
-                            <p:stCondLst>
-                              <p:cond delay="0"/>
-                            </p:stCondLst>
-                            <p:childTnLst>
-                              <p:par>
-                                <p:cTn id="9" presetID="1" presetClass="entr" presetSubtype="0" fill="hold" grpId="0" nodeType="clickEffect">
-                                  <p:stCondLst>
-                                    <p:cond delay="0"/>
-                                  </p:stCondLst>
-                                  <p:childTnLst>
-                                    <p:set>
-                                      <p:cBhvr>
-                                        <p:cTn id="10" dur="1" fill="hold">
-                                          <p:stCondLst>
-                                            <p:cond delay="0"/>
-                                          </p:stCondLst>
-                                        </p:cTn>
-                                        <p:tgtEl>
-                                          <p:spTgt spid="22531">
-                                            <p:txEl>
-                                              <p:pRg st="1" end="1"/>
-                                            </p:txEl>
-                                          </p:spTgt>
-                                        </p:tgtEl>
-                                        <p:attrNameLst>
-                                          <p:attrName>style.visibility</p:attrName>
-                                        </p:attrNameLst>
-                                      </p:cBhvr>
-                                      <p:to>
-                                        <p:strVal val="visible"/>
-                                      </p:to>
-                                    </p:set>
-                                  </p:childTnLst>
-                                </p:cTn>
-                              </p:par>
-                            </p:childTnLst>
-                          </p:cTn>
-                        </p:par>
-                      </p:childTnLst>
-                    </p:cTn>
-                  </p:par>
-                  <p:par>
-                    <p:cTn id="11" fill="hold">
-                      <p:stCondLst>
-                        <p:cond delay="indefinite"/>
-                      </p:stCondLst>
-                      <p:childTnLst>
-                        <p:par>
-                          <p:cTn id="12" fill="hold">
-                            <p:stCondLst>
-                              <p:cond delay="0"/>
-                            </p:stCondLst>
-                            <p:childTnLst>
-                              <p:par>
-                                <p:cTn id="13" presetID="1" presetClass="entr" presetSubtype="0" fill="hold" grpId="0" nodeType="clickEffect">
-                                  <p:stCondLst>
-                                    <p:cond delay="0"/>
-                                  </p:stCondLst>
-                                  <p:childTnLst>
-                                    <p:set>
-                                      <p:cBhvr>
-                                        <p:cTn id="14" dur="1" fill="hold">
-                                          <p:stCondLst>
-                                            <p:cond delay="0"/>
-                                          </p:stCondLst>
-                                        </p:cTn>
-                                        <p:tgtEl>
-                                          <p:spTgt spid="22531">
-                                            <p:txEl>
-                                              <p:pRg st="3" end="3"/>
-                                            </p:txEl>
-                                          </p:spTgt>
-                                        </p:tgtEl>
-                                        <p:attrNameLst>
-                                          <p:attrName>style.visibility</p:attrName>
-                                        </p:attrNameLst>
-                                      </p:cBhvr>
-                                      <p:to>
-                                        <p:strVal val="visible"/>
-                                      </p:to>
-                                    </p:set>
-                                  </p:childTnLst>
-                                </p:cTn>
-                              </p:par>
-                            </p:childTnLst>
-                          </p:cTn>
-                        </p:par>
-                      </p:childTnLst>
-                    </p:cTn>
-                  </p:par>
-                  <p:par>
-                    <p:cTn id="15" fill="hold">
-                      <p:stCondLst>
-                        <p:cond delay="indefinite"/>
-                      </p:stCondLst>
-                      <p:childTnLst>
-                        <p:par>
-                          <p:cTn id="16" fill="hold">
-                            <p:stCondLst>
-                              <p:cond delay="0"/>
-                            </p:stCondLst>
-                            <p:childTnLst>
-                              <p:par>
-                                <p:cTn id="17" presetID="1" presetClass="entr" presetSubtype="0" fill="hold" grpId="0" nodeType="clickEffect">
-                                  <p:stCondLst>
-                                    <p:cond delay="0"/>
-                                  </p:stCondLst>
-                                  <p:childTnLst>
-                                    <p:set>
-                                      <p:cBhvr>
-                                        <p:cTn id="18" dur="1" fill="hold">
-                                          <p:stCondLst>
-                                            <p:cond delay="0"/>
-                                          </p:stCondLst>
-                                        </p:cTn>
-                                        <p:tgtEl>
-                                          <p:spTgt spid="22531">
-                                            <p:txEl>
-                                              <p:pRg st="5" end="5"/>
-                                            </p:txEl>
-                                          </p:spTgt>
-                                        </p:tgtEl>
-                                        <p:attrNameLst>
-                                          <p:attrName>style.visibility</p:attrName>
-                                        </p:attrNameLst>
-                                      </p:cBhvr>
-                                      <p:to>
-                                        <p:strVal val="visible"/>
-                                      </p:to>
-                                    </p:set>
-                                  </p:childTnLst>
-                                </p:cTn>
-                              </p:par>
-                            </p:childTnLst>
-                          </p:cTn>
-                        </p:par>
-                      </p:childTnLst>
-                    </p:cTn>
-                  </p:par>
-                </p:childTnLst>
-              </p:cTn>
-              <p:prevCondLst>
-                <p:cond evt="onPrev" delay="0">
-                  <p:tgtEl>
-                    <p:sldTgt/>
-                  </p:tgtEl>
-                </p:cond>
-              </p:prevCondLst>
-              <p:nextCondLst>
-                <p:cond evt="onNext" delay="0">
-                  <p:tgtEl>
-                    <p:sldTgt/>
-                  </p:tgtEl>
-                </p:cond>
-              </p:nextCondLst>
-            </p:seq>
-          </p:childTnLst>
-        </p:cTn>
-      </p:par>
-    </p:tnLst>
-    <p:bldLst>
-      <p:bldP spid="22531" grpId="0" uiExpand="1" build="p"/>
-    </p:bldLst>
-  </p:timing>
-</p:sld>
-</file>
-
-<file path=ppt/slides/slide31.xml><?xml version="1.0" encoding="utf-8"?>
 <p:sld xmlns:a="http://schemas.openxmlformats.org/drawingml/2006/main" xmlns:r="http://schemas.openxmlformats.org/officeDocument/2006/relationships" xmlns:p="http://schemas.openxmlformats.org/presentationml/2006/main">
   <p:cSld>
     <p:spTree>
@@ -28553,227 +26914,10 @@
   <p:clrMapOvr>
     <a:masterClrMapping/>
   </p:clrMapOvr>
-  <p:timing>
-    <p:tnLst>
-      <p:par>
-        <p:cTn id="1" dur="indefinite" restart="never" nodeType="tmRoot">
-          <p:childTnLst>
-            <p:seq concurrent="1" nextAc="seek">
-              <p:cTn id="2" dur="indefinite" nodeType="mainSeq">
-                <p:childTnLst>
-                  <p:par>
-                    <p:cTn id="3" fill="hold">
-                      <p:stCondLst>
-                        <p:cond delay="indefinite"/>
-                      </p:stCondLst>
-                      <p:childTnLst>
-                        <p:par>
-                          <p:cTn id="4" fill="hold">
-                            <p:stCondLst>
-                              <p:cond delay="0"/>
-                            </p:stCondLst>
-                            <p:childTnLst>
-                              <p:par>
-                                <p:cTn id="5" presetID="1" presetClass="entr" presetSubtype="0" fill="hold" nodeType="clickEffect">
-                                  <p:stCondLst>
-                                    <p:cond delay="0"/>
-                                  </p:stCondLst>
-                                  <p:childTnLst>
-                                    <p:set>
-                                      <p:cBhvr>
-                                        <p:cTn id="6" dur="1" fill="hold">
-                                          <p:stCondLst>
-                                            <p:cond delay="0"/>
-                                          </p:stCondLst>
-                                        </p:cTn>
-                                        <p:tgtEl>
-                                          <p:spTgt spid="3">
-                                            <p:txEl>
-                                              <p:pRg st="2" end="2"/>
-                                            </p:txEl>
-                                          </p:spTgt>
-                                        </p:tgtEl>
-                                        <p:attrNameLst>
-                                          <p:attrName>style.visibility</p:attrName>
-                                        </p:attrNameLst>
-                                      </p:cBhvr>
-                                      <p:to>
-                                        <p:strVal val="visible"/>
-                                      </p:to>
-                                    </p:set>
-                                  </p:childTnLst>
-                                </p:cTn>
-                              </p:par>
-                              <p:par>
-                                <p:cTn id="7" presetID="1" presetClass="entr" presetSubtype="0" fill="hold" nodeType="withEffect">
-                                  <p:stCondLst>
-                                    <p:cond delay="0"/>
-                                  </p:stCondLst>
-                                  <p:childTnLst>
-                                    <p:set>
-                                      <p:cBhvr>
-                                        <p:cTn id="8" dur="1" fill="hold">
-                                          <p:stCondLst>
-                                            <p:cond delay="0"/>
-                                          </p:stCondLst>
-                                        </p:cTn>
-                                        <p:tgtEl>
-                                          <p:spTgt spid="3">
-                                            <p:txEl>
-                                              <p:pRg st="3" end="3"/>
-                                            </p:txEl>
-                                          </p:spTgt>
-                                        </p:tgtEl>
-                                        <p:attrNameLst>
-                                          <p:attrName>style.visibility</p:attrName>
-                                        </p:attrNameLst>
-                                      </p:cBhvr>
-                                      <p:to>
-                                        <p:strVal val="visible"/>
-                                      </p:to>
-                                    </p:set>
-                                  </p:childTnLst>
-                                </p:cTn>
-                              </p:par>
-                              <p:par>
-                                <p:cTn id="9" presetID="1" presetClass="entr" presetSubtype="0" fill="hold" nodeType="withEffect">
-                                  <p:stCondLst>
-                                    <p:cond delay="0"/>
-                                  </p:stCondLst>
-                                  <p:childTnLst>
-                                    <p:set>
-                                      <p:cBhvr>
-                                        <p:cTn id="10" dur="1" fill="hold">
-                                          <p:stCondLst>
-                                            <p:cond delay="0"/>
-                                          </p:stCondLst>
-                                        </p:cTn>
-                                        <p:tgtEl>
-                                          <p:spTgt spid="3">
-                                            <p:txEl>
-                                              <p:pRg st="4" end="4"/>
-                                            </p:txEl>
-                                          </p:spTgt>
-                                        </p:tgtEl>
-                                        <p:attrNameLst>
-                                          <p:attrName>style.visibility</p:attrName>
-                                        </p:attrNameLst>
-                                      </p:cBhvr>
-                                      <p:to>
-                                        <p:strVal val="visible"/>
-                                      </p:to>
-                                    </p:set>
-                                  </p:childTnLst>
-                                </p:cTn>
-                              </p:par>
-                              <p:par>
-                                <p:cTn id="11" presetID="1" presetClass="entr" presetSubtype="0" fill="hold" grpId="0" nodeType="withEffect">
-                                  <p:stCondLst>
-                                    <p:cond delay="0"/>
-                                  </p:stCondLst>
-                                  <p:childTnLst>
-                                    <p:set>
-                                      <p:cBhvr>
-                                        <p:cTn id="12" dur="1" fill="hold">
-                                          <p:stCondLst>
-                                            <p:cond delay="0"/>
-                                          </p:stCondLst>
-                                        </p:cTn>
-                                        <p:tgtEl>
-                                          <p:spTgt spid="6"/>
-                                        </p:tgtEl>
-                                        <p:attrNameLst>
-                                          <p:attrName>style.visibility</p:attrName>
-                                        </p:attrNameLst>
-                                      </p:cBhvr>
-                                      <p:to>
-                                        <p:strVal val="visible"/>
-                                      </p:to>
-                                    </p:set>
-                                  </p:childTnLst>
-                                </p:cTn>
-                              </p:par>
-                            </p:childTnLst>
-                          </p:cTn>
-                        </p:par>
-                      </p:childTnLst>
-                    </p:cTn>
-                  </p:par>
-                  <p:par>
-                    <p:cTn id="13" fill="hold">
-                      <p:stCondLst>
-                        <p:cond delay="indefinite"/>
-                      </p:stCondLst>
-                      <p:childTnLst>
-                        <p:par>
-                          <p:cTn id="14" fill="hold">
-                            <p:stCondLst>
-                              <p:cond delay="0"/>
-                            </p:stCondLst>
-                            <p:childTnLst>
-                              <p:par>
-                                <p:cTn id="15" presetID="1" presetClass="entr" presetSubtype="0" fill="hold" grpId="0" nodeType="clickEffect">
-                                  <p:stCondLst>
-                                    <p:cond delay="0"/>
-                                  </p:stCondLst>
-                                  <p:childTnLst>
-                                    <p:set>
-                                      <p:cBhvr>
-                                        <p:cTn id="16" dur="1" fill="hold">
-                                          <p:stCondLst>
-                                            <p:cond delay="0"/>
-                                          </p:stCondLst>
-                                        </p:cTn>
-                                        <p:tgtEl>
-                                          <p:spTgt spid="7"/>
-                                        </p:tgtEl>
-                                        <p:attrNameLst>
-                                          <p:attrName>style.visibility</p:attrName>
-                                        </p:attrNameLst>
-                                      </p:cBhvr>
-                                      <p:to>
-                                        <p:strVal val="visible"/>
-                                      </p:to>
-                                    </p:set>
-                                  </p:childTnLst>
-                                </p:cTn>
-                              </p:par>
-                            </p:childTnLst>
-                          </p:cTn>
-                        </p:par>
-                      </p:childTnLst>
-                    </p:cTn>
-                  </p:par>
-                </p:childTnLst>
-              </p:cTn>
-              <p:prevCondLst>
-                <p:cond evt="onPrev" delay="0">
-                  <p:tgtEl>
-                    <p:sldTgt/>
-                  </p:tgtEl>
-                </p:cond>
-              </p:prevCondLst>
-              <p:nextCondLst>
-                <p:cond evt="onNext" delay="0">
-                  <p:tgtEl>
-                    <p:sldTgt/>
-                  </p:tgtEl>
-                </p:cond>
-              </p:nextCondLst>
-            </p:seq>
-          </p:childTnLst>
-        </p:cTn>
-      </p:par>
-    </p:tnLst>
-    <p:bldLst>
-      <p:bldP spid="6" grpId="0" animBg="1"/>
-      <p:bldP spid="7" grpId="0"/>
-    </p:bldLst>
-  </p:timing>
 </p:sld>
 </file>
 
-<file path=ppt/slides/slide32.xml><?xml version="1.0" encoding="utf-8"?>
+<file path=ppt/slides/slide31.xml><?xml version="1.0" encoding="utf-8"?>
 <p:sld xmlns:a="http://schemas.openxmlformats.org/drawingml/2006/main" xmlns:r="http://schemas.openxmlformats.org/officeDocument/2006/relationships" xmlns:p="http://schemas.openxmlformats.org/presentationml/2006/main">
   <p:cSld>
     <p:spTree>
@@ -28874,7 +27018,7 @@
           <a:p>
             <a:r>
               <a:rPr lang="en-US" sz="1600" dirty="0"/>
-              <a:t>What could be used as a heuristic value for these boards (assume you play x):</a:t>
+              <a:t>Assume you play x: What could be used as a heuristic value for these boards?</a:t>
             </a:r>
           </a:p>
           <a:p>
@@ -28904,7 +27048,7 @@
           <a:p>
             <a:r>
               <a:rPr lang="en-US" sz="1600" dirty="0"/>
-              <a:t>Is the heuristic admissible?</a:t>
+              <a:t>Is the heuristic admissible (never overestimates the true cost)?</a:t>
             </a:r>
           </a:p>
           <a:p>
